--- a/poster6.pptx
+++ b/poster6.pptx
@@ -110,7 +110,7 @@
   </p:defaultTextStyle>
   <p:extLst>
     <p:ext uri="{EFAFB233-063F-42B5-8137-9DF3F51BA10A}">
-      <p15:sldGuideLst xmlns="" xmlns:p15="http://schemas.microsoft.com/office/powerpoint/2012/main">
+      <p15:sldGuideLst xmlns:p15="http://schemas.microsoft.com/office/powerpoint/2012/main" xmlns="">
         <p15:guide id="1" orient="horz" pos="10368">
           <p15:clr>
             <a:srgbClr val="A4A3A4"/>
@@ -1716,7 +1716,7 @@
           <a:p>
             <a:fld id="{985D6BDF-9D0E-4E2B-85B8-D8F4790360C9}" type="datetimeFigureOut">
               <a:rPr lang="en-US" smtClean="0"/>
-              <a:t>6/25/2019</a:t>
+              <a:t>6/26/2019</a:t>
             </a:fld>
             <a:endParaRPr lang="en-US" dirty="0"/>
           </a:p>
@@ -1936,7 +1936,7 @@
           <a:p>
             <a:fld id="{985D6BDF-9D0E-4E2B-85B8-D8F4790360C9}" type="datetimeFigureOut">
               <a:rPr lang="en-US" smtClean="0"/>
-              <a:t>6/25/2019</a:t>
+              <a:t>6/26/2019</a:t>
             </a:fld>
             <a:endParaRPr lang="en-US" dirty="0"/>
           </a:p>
@@ -2311,6 +2311,177 @@
       </p:grpSpPr>
       <p:sp>
         <p:nvSpPr>
+          <p:cNvPr id="396" name="Text Box 189"/>
+          <p:cNvSpPr txBox="1">
+            <a:spLocks noChangeArrowheads="1"/>
+          </p:cNvSpPr>
+          <p:nvPr/>
+        </p:nvSpPr>
+        <p:spPr bwMode="auto">
+          <a:xfrm>
+            <a:off x="11567160" y="5486400"/>
+            <a:ext cx="20208240" cy="17830800"/>
+          </a:xfrm>
+          <a:prstGeom prst="rect">
+            <a:avLst/>
+          </a:prstGeom>
+          <a:noFill/>
+          <a:ln w="12700">
+            <a:solidFill>
+              <a:schemeClr val="accent1">
+                <a:lumMod val="75000"/>
+              </a:schemeClr>
+            </a:solidFill>
+          </a:ln>
+          <a:effectLst/>
+        </p:spPr>
+        <p:txBody>
+          <a:bodyPr wrap="square" lIns="137137" tIns="137137" rIns="137137" bIns="137137">
+            <a:spAutoFit/>
+          </a:bodyPr>
+          <a:lstStyle>
+            <a:lvl1pPr eaLnBrk="0" hangingPunct="0">
+              <a:defRPr sz="2200">
+                <a:solidFill>
+                  <a:schemeClr val="tx1"/>
+                </a:solidFill>
+                <a:latin typeface="Arial" charset="0"/>
+              </a:defRPr>
+            </a:lvl1pPr>
+            <a:lvl2pPr marL="742950" indent="-285750" eaLnBrk="0" hangingPunct="0">
+              <a:defRPr sz="2200">
+                <a:solidFill>
+                  <a:schemeClr val="tx1"/>
+                </a:solidFill>
+                <a:latin typeface="Arial" charset="0"/>
+              </a:defRPr>
+            </a:lvl2pPr>
+            <a:lvl3pPr marL="1143000" indent="-228600" eaLnBrk="0" hangingPunct="0">
+              <a:defRPr sz="2200">
+                <a:solidFill>
+                  <a:schemeClr val="tx1"/>
+                </a:solidFill>
+                <a:latin typeface="Arial" charset="0"/>
+              </a:defRPr>
+            </a:lvl3pPr>
+            <a:lvl4pPr marL="1600200" indent="-228600" eaLnBrk="0" hangingPunct="0">
+              <a:defRPr sz="2200">
+                <a:solidFill>
+                  <a:schemeClr val="tx1"/>
+                </a:solidFill>
+                <a:latin typeface="Arial" charset="0"/>
+              </a:defRPr>
+            </a:lvl4pPr>
+            <a:lvl5pPr marL="2057400" indent="-228600" eaLnBrk="0" hangingPunct="0">
+              <a:defRPr sz="2200">
+                <a:solidFill>
+                  <a:schemeClr val="tx1"/>
+                </a:solidFill>
+                <a:latin typeface="Arial" charset="0"/>
+              </a:defRPr>
+            </a:lvl5pPr>
+            <a:lvl6pPr marL="2514600" indent="-228600" eaLnBrk="0" fontAlgn="base" hangingPunct="0">
+              <a:spcBef>
+                <a:spcPct val="0"/>
+              </a:spcBef>
+              <a:spcAft>
+                <a:spcPct val="0"/>
+              </a:spcAft>
+              <a:defRPr sz="2200">
+                <a:solidFill>
+                  <a:schemeClr val="tx1"/>
+                </a:solidFill>
+                <a:latin typeface="Arial" charset="0"/>
+              </a:defRPr>
+            </a:lvl6pPr>
+            <a:lvl7pPr marL="2971800" indent="-228600" eaLnBrk="0" fontAlgn="base" hangingPunct="0">
+              <a:spcBef>
+                <a:spcPct val="0"/>
+              </a:spcBef>
+              <a:spcAft>
+                <a:spcPct val="0"/>
+              </a:spcAft>
+              <a:defRPr sz="2200">
+                <a:solidFill>
+                  <a:schemeClr val="tx1"/>
+                </a:solidFill>
+                <a:latin typeface="Arial" charset="0"/>
+              </a:defRPr>
+            </a:lvl7pPr>
+            <a:lvl8pPr marL="3429000" indent="-228600" eaLnBrk="0" fontAlgn="base" hangingPunct="0">
+              <a:spcBef>
+                <a:spcPct val="0"/>
+              </a:spcBef>
+              <a:spcAft>
+                <a:spcPct val="0"/>
+              </a:spcAft>
+              <a:defRPr sz="2200">
+                <a:solidFill>
+                  <a:schemeClr val="tx1"/>
+                </a:solidFill>
+                <a:latin typeface="Arial" charset="0"/>
+              </a:defRPr>
+            </a:lvl8pPr>
+            <a:lvl9pPr marL="3886200" indent="-228600" eaLnBrk="0" fontAlgn="base" hangingPunct="0">
+              <a:spcBef>
+                <a:spcPct val="0"/>
+              </a:spcBef>
+              <a:spcAft>
+                <a:spcPct val="0"/>
+              </a:spcAft>
+              <a:defRPr sz="2200">
+                <a:solidFill>
+                  <a:schemeClr val="tx1"/>
+                </a:solidFill>
+                <a:latin typeface="Arial" charset="0"/>
+              </a:defRPr>
+            </a:lvl9pPr>
+          </a:lstStyle>
+          <a:p>
+            <a:pPr algn="just" eaLnBrk="1" hangingPunct="1"/>
+            <a:endParaRPr lang="en-US" sz="2800" dirty="0" smtClean="0">
+              <a:latin typeface="+mn-lt"/>
+              <a:cs typeface="Times New Roman" panose="02020603050405020304" pitchFamily="18" charset="0"/>
+            </a:endParaRPr>
+          </a:p>
+          <a:p>
+            <a:pPr algn="just" eaLnBrk="1" hangingPunct="1"/>
+            <a:endParaRPr lang="en-US" sz="2800" dirty="0" smtClean="0">
+              <a:latin typeface="+mn-lt"/>
+              <a:cs typeface="Times New Roman" panose="02020603050405020304" pitchFamily="18" charset="0"/>
+            </a:endParaRPr>
+          </a:p>
+          <a:p>
+            <a:pPr algn="just" eaLnBrk="1" hangingPunct="1"/>
+            <a:endParaRPr lang="en-US" sz="2800" dirty="0" smtClean="0">
+              <a:latin typeface="+mn-lt"/>
+              <a:cs typeface="Times New Roman" panose="02020603050405020304" pitchFamily="18" charset="0"/>
+            </a:endParaRPr>
+          </a:p>
+          <a:p>
+            <a:pPr algn="just" eaLnBrk="1" hangingPunct="1"/>
+            <a:endParaRPr lang="en-US" sz="2800" dirty="0" smtClean="0">
+              <a:latin typeface="+mn-lt"/>
+              <a:cs typeface="Times New Roman" panose="02020603050405020304" pitchFamily="18" charset="0"/>
+            </a:endParaRPr>
+          </a:p>
+          <a:p>
+            <a:pPr algn="just" eaLnBrk="1" hangingPunct="1"/>
+            <a:endParaRPr lang="en-US" sz="2800" dirty="0" smtClean="0">
+              <a:latin typeface="+mn-lt"/>
+              <a:cs typeface="Times New Roman" panose="02020603050405020304" pitchFamily="18" charset="0"/>
+            </a:endParaRPr>
+          </a:p>
+          <a:p>
+            <a:pPr algn="just" eaLnBrk="1" hangingPunct="1"/>
+            <a:endParaRPr lang="en-US" sz="2800" dirty="0">
+              <a:latin typeface="+mn-lt"/>
+            </a:endParaRPr>
+          </a:p>
+        </p:txBody>
+      </p:sp>
+      <p:sp>
+        <p:nvSpPr>
           <p:cNvPr id="4" name="Text Box 122"/>
           <p:cNvSpPr txBox="1">
             <a:spLocks noChangeArrowheads="1"/>
@@ -2319,8 +2490,8 @@
         </p:nvSpPr>
         <p:spPr bwMode="auto">
           <a:xfrm>
-            <a:off x="627096" y="213231"/>
-            <a:ext cx="21945600" cy="2323596"/>
+            <a:off x="627096" y="167065"/>
+            <a:ext cx="21945600" cy="2415929"/>
           </a:xfrm>
           <a:prstGeom prst="rect">
             <a:avLst/>
@@ -2464,23 +2635,17 @@
           <a:p>
             <a:pPr eaLnBrk="1" hangingPunct="1"/>
             <a:r>
-              <a:rPr lang="en-US" sz="6600" b="1" dirty="0" smtClean="0">
+              <a:rPr lang="en-US" sz="7200" b="1" dirty="0" smtClean="0">
                 <a:solidFill>
-                  <a:schemeClr val="accent3">
-                    <a:lumMod val="20000"/>
-                    <a:lumOff val="80000"/>
-                  </a:schemeClr>
+                  <a:schemeClr val="bg1"/>
                 </a:solidFill>
                 <a:latin typeface="+mn-lt"/>
               </a:rPr>
               <a:t>Real-time Speaker Recognizer</a:t>
             </a:r>
-            <a:endParaRPr lang="en-US" sz="6600" b="1" dirty="0">
+            <a:endParaRPr lang="en-US" sz="7200" b="1" dirty="0">
               <a:solidFill>
-                <a:schemeClr val="accent3">
-                  <a:lumMod val="20000"/>
-                  <a:lumOff val="80000"/>
-                </a:schemeClr>
+                <a:schemeClr val="bg1"/>
               </a:solidFill>
               <a:latin typeface="+mn-lt"/>
             </a:endParaRPr>
@@ -2685,19 +2850,7 @@
                 </a:solidFill>
                 <a:latin typeface="+mn-lt"/>
               </a:rPr>
-              <a:t> Pan </a:t>
-            </a:r>
-            <a:r>
-              <a:rPr lang="en-US" sz="4000" dirty="0" smtClean="0">
-                <a:solidFill>
-                  <a:schemeClr val="accent3">
-                    <a:lumMod val="20000"/>
-                    <a:lumOff val="80000"/>
-                  </a:schemeClr>
-                </a:solidFill>
-                <a:latin typeface="+mn-lt"/>
-              </a:rPr>
-              <a:t>   Supervisor</a:t>
+              <a:t> Pan    Supervisor</a:t>
             </a:r>
             <a:r>
               <a:rPr lang="en-US" sz="4000" dirty="0">
@@ -2764,64 +2917,6 @@
       </p:sp>
       <p:sp>
         <p:nvSpPr>
-          <p:cNvPr id="24" name="TextBox 23"/>
-          <p:cNvSpPr txBox="1"/>
-          <p:nvPr/>
-        </p:nvSpPr>
-        <p:spPr>
-          <a:xfrm>
-            <a:off x="1280160" y="30038039"/>
-            <a:ext cx="3037217" cy="2223674"/>
-          </a:xfrm>
-          <a:prstGeom prst="rect">
-            <a:avLst/>
-          </a:prstGeom>
-          <a:solidFill>
-            <a:schemeClr val="accent1">
-              <a:lumMod val="40000"/>
-              <a:lumOff val="60000"/>
-            </a:schemeClr>
-          </a:solidFill>
-        </p:spPr>
-        <p:txBody>
-          <a:bodyPr wrap="none" lIns="68568" tIns="34284" rIns="68568" bIns="34284" rtlCol="0">
-            <a:spAutoFit/>
-          </a:bodyPr>
-          <a:lstStyle/>
-          <a:p>
-            <a:r>
-              <a:rPr lang="en-US" sz="2800" dirty="0"/>
-              <a:t>&lt;your name&gt;</a:t>
-            </a:r>
-          </a:p>
-          <a:p>
-            <a:r>
-              <a:rPr lang="en-US" sz="2800" dirty="0"/>
-              <a:t>&lt;your organization&gt;</a:t>
-            </a:r>
-          </a:p>
-          <a:p>
-            <a:r>
-              <a:rPr lang="en-US" sz="2800" dirty="0"/>
-              <a:t>Email:</a:t>
-            </a:r>
-          </a:p>
-          <a:p>
-            <a:r>
-              <a:rPr lang="en-US" sz="2800" dirty="0"/>
-              <a:t>Website:</a:t>
-            </a:r>
-          </a:p>
-          <a:p>
-            <a:r>
-              <a:rPr lang="en-US" sz="2800" dirty="0"/>
-              <a:t>Phone:</a:t>
-            </a:r>
-          </a:p>
-        </p:txBody>
-      </p:sp>
-      <p:sp>
-        <p:nvSpPr>
           <p:cNvPr id="25" name="TextBox 24"/>
           <p:cNvSpPr txBox="1"/>
           <p:nvPr/>
@@ -2857,7 +2952,7 @@
         </p:nvSpPr>
         <p:spPr>
           <a:xfrm>
-            <a:off x="16459200" y="30038039"/>
+            <a:off x="16547214" y="30294598"/>
             <a:ext cx="14630400" cy="2194560"/>
           </a:xfrm>
           <a:prstGeom prst="rect">
@@ -2987,7 +3082,7 @@
         </p:nvSpPr>
         <p:spPr>
           <a:xfrm>
-            <a:off x="16459202" y="29146502"/>
+            <a:off x="16422727" y="29718000"/>
             <a:ext cx="2703473" cy="746346"/>
           </a:xfrm>
           <a:prstGeom prst="rect">
@@ -3010,280 +3105,13 @@
       </p:sp>
       <p:sp>
         <p:nvSpPr>
-          <p:cNvPr id="10" name="Text Box 189"/>
-          <p:cNvSpPr txBox="1">
-            <a:spLocks noChangeArrowheads="1"/>
-          </p:cNvSpPr>
-          <p:nvPr/>
-        </p:nvSpPr>
-        <p:spPr bwMode="auto">
-          <a:xfrm>
-            <a:off x="1280160" y="5486400"/>
-            <a:ext cx="9692640" cy="6740260"/>
-          </a:xfrm>
-          <a:prstGeom prst="rect">
-            <a:avLst/>
-          </a:prstGeom>
-          <a:solidFill>
-            <a:schemeClr val="bg1"/>
-          </a:solidFill>
-          <a:ln w="12700">
-            <a:solidFill>
-              <a:schemeClr val="accent1">
-                <a:lumMod val="75000"/>
-              </a:schemeClr>
-            </a:solidFill>
-          </a:ln>
-          <a:effectLst/>
-        </p:spPr>
-        <p:txBody>
-          <a:bodyPr lIns="137137" tIns="137137" rIns="137137" bIns="137137">
-            <a:spAutoFit/>
-          </a:bodyPr>
-          <a:lstStyle>
-            <a:lvl1pPr eaLnBrk="0" hangingPunct="0">
-              <a:defRPr sz="2200">
-                <a:solidFill>
-                  <a:schemeClr val="tx1"/>
-                </a:solidFill>
-                <a:latin typeface="Arial" charset="0"/>
-              </a:defRPr>
-            </a:lvl1pPr>
-            <a:lvl2pPr marL="742950" indent="-285750" eaLnBrk="0" hangingPunct="0">
-              <a:defRPr sz="2200">
-                <a:solidFill>
-                  <a:schemeClr val="tx1"/>
-                </a:solidFill>
-                <a:latin typeface="Arial" charset="0"/>
-              </a:defRPr>
-            </a:lvl2pPr>
-            <a:lvl3pPr marL="1143000" indent="-228600" eaLnBrk="0" hangingPunct="0">
-              <a:defRPr sz="2200">
-                <a:solidFill>
-                  <a:schemeClr val="tx1"/>
-                </a:solidFill>
-                <a:latin typeface="Arial" charset="0"/>
-              </a:defRPr>
-            </a:lvl3pPr>
-            <a:lvl4pPr marL="1600200" indent="-228600" eaLnBrk="0" hangingPunct="0">
-              <a:defRPr sz="2200">
-                <a:solidFill>
-                  <a:schemeClr val="tx1"/>
-                </a:solidFill>
-                <a:latin typeface="Arial" charset="0"/>
-              </a:defRPr>
-            </a:lvl4pPr>
-            <a:lvl5pPr marL="2057400" indent="-228600" eaLnBrk="0" hangingPunct="0">
-              <a:defRPr sz="2200">
-                <a:solidFill>
-                  <a:schemeClr val="tx1"/>
-                </a:solidFill>
-                <a:latin typeface="Arial" charset="0"/>
-              </a:defRPr>
-            </a:lvl5pPr>
-            <a:lvl6pPr marL="2514600" indent="-228600" eaLnBrk="0" fontAlgn="base" hangingPunct="0">
-              <a:spcBef>
-                <a:spcPct val="0"/>
-              </a:spcBef>
-              <a:spcAft>
-                <a:spcPct val="0"/>
-              </a:spcAft>
-              <a:defRPr sz="2200">
-                <a:solidFill>
-                  <a:schemeClr val="tx1"/>
-                </a:solidFill>
-                <a:latin typeface="Arial" charset="0"/>
-              </a:defRPr>
-            </a:lvl6pPr>
-            <a:lvl7pPr marL="2971800" indent="-228600" eaLnBrk="0" fontAlgn="base" hangingPunct="0">
-              <a:spcBef>
-                <a:spcPct val="0"/>
-              </a:spcBef>
-              <a:spcAft>
-                <a:spcPct val="0"/>
-              </a:spcAft>
-              <a:defRPr sz="2200">
-                <a:solidFill>
-                  <a:schemeClr val="tx1"/>
-                </a:solidFill>
-                <a:latin typeface="Arial" charset="0"/>
-              </a:defRPr>
-            </a:lvl7pPr>
-            <a:lvl8pPr marL="3429000" indent="-228600" eaLnBrk="0" fontAlgn="base" hangingPunct="0">
-              <a:spcBef>
-                <a:spcPct val="0"/>
-              </a:spcBef>
-              <a:spcAft>
-                <a:spcPct val="0"/>
-              </a:spcAft>
-              <a:defRPr sz="2200">
-                <a:solidFill>
-                  <a:schemeClr val="tx1"/>
-                </a:solidFill>
-                <a:latin typeface="Arial" charset="0"/>
-              </a:defRPr>
-            </a:lvl8pPr>
-            <a:lvl9pPr marL="3886200" indent="-228600" eaLnBrk="0" fontAlgn="base" hangingPunct="0">
-              <a:spcBef>
-                <a:spcPct val="0"/>
-              </a:spcBef>
-              <a:spcAft>
-                <a:spcPct val="0"/>
-              </a:spcAft>
-              <a:defRPr sz="2200">
-                <a:solidFill>
-                  <a:schemeClr val="tx1"/>
-                </a:solidFill>
-                <a:latin typeface="Arial" charset="0"/>
-              </a:defRPr>
-            </a:lvl9pPr>
-          </a:lstStyle>
-          <a:p>
-            <a:pPr algn="just" eaLnBrk="1" hangingPunct="1"/>
-            <a:r>
-              <a:rPr lang="en-US" sz="2800" b="1" dirty="0" smtClean="0">
-                <a:latin typeface="+mn-lt"/>
-                <a:cs typeface="Times New Roman" panose="02020603050405020304" pitchFamily="18" charset="0"/>
-              </a:rPr>
-              <a:t>Speaker </a:t>
-            </a:r>
-            <a:r>
-              <a:rPr lang="en-US" sz="2800" b="1" dirty="0">
-                <a:latin typeface="+mn-lt"/>
-                <a:cs typeface="Times New Roman" panose="02020603050405020304" pitchFamily="18" charset="0"/>
-              </a:rPr>
-              <a:t>diarization </a:t>
-            </a:r>
-            <a:r>
-              <a:rPr lang="en-US" sz="2800" dirty="0">
-                <a:latin typeface="+mn-lt"/>
-                <a:cs typeface="Times New Roman" panose="02020603050405020304" pitchFamily="18" charset="0"/>
-              </a:rPr>
-              <a:t>has become more important in many speech processing tasks. Most state-of-the-art speaker diarization </a:t>
-            </a:r>
-            <a:r>
-              <a:rPr lang="en-US" sz="2800" dirty="0" smtClean="0">
-                <a:latin typeface="+mn-lt"/>
-                <a:cs typeface="Times New Roman" panose="02020603050405020304" pitchFamily="18" charset="0"/>
-              </a:rPr>
-              <a:t>system nowadays </a:t>
-            </a:r>
-            <a:r>
-              <a:rPr lang="en-US" sz="2800" dirty="0">
-                <a:latin typeface="+mn-lt"/>
-                <a:cs typeface="Times New Roman" panose="02020603050405020304" pitchFamily="18" charset="0"/>
-              </a:rPr>
-              <a:t>decodes in an offline fashion and requires intensive computation and long processing time, which leads to the handicap for real-time applications.  In this paper, we implemented the binary key speaker modelling </a:t>
-            </a:r>
-            <a:r>
-              <a:rPr lang="en-US" sz="2800" dirty="0" smtClean="0">
-                <a:latin typeface="+mn-lt"/>
-                <a:cs typeface="Times New Roman" panose="02020603050405020304" pitchFamily="18" charset="0"/>
-              </a:rPr>
-              <a:t>approach </a:t>
-            </a:r>
-            <a:r>
-              <a:rPr lang="en-US" sz="2800" dirty="0">
-                <a:latin typeface="+mn-lt"/>
-                <a:cs typeface="Times New Roman" panose="02020603050405020304" pitchFamily="18" charset="0"/>
-              </a:rPr>
-              <a:t>and built a </a:t>
-            </a:r>
-            <a:r>
-              <a:rPr lang="en-US" sz="2800" dirty="0" smtClean="0">
-                <a:latin typeface="+mn-lt"/>
-                <a:cs typeface="Times New Roman" panose="02020603050405020304" pitchFamily="18" charset="0"/>
-              </a:rPr>
-              <a:t>faster than real-time speaker diarization system that </a:t>
-            </a:r>
-            <a:r>
-              <a:rPr lang="en-US" sz="2800" dirty="0">
-                <a:latin typeface="+mn-lt"/>
-                <a:cs typeface="Times New Roman" panose="02020603050405020304" pitchFamily="18" charset="0"/>
-              </a:rPr>
-              <a:t>can label the speakers in recorded audio, with visualization and audio player panel. An advanced version of the system is also developed, which </a:t>
-            </a:r>
-            <a:r>
-              <a:rPr lang="en-US" sz="2800" dirty="0" smtClean="0">
-                <a:latin typeface="+mn-lt"/>
-                <a:cs typeface="Times New Roman" panose="02020603050405020304" pitchFamily="18" charset="0"/>
-              </a:rPr>
-              <a:t>enable </a:t>
-            </a:r>
-            <a:r>
-              <a:rPr lang="en-US" sz="2800" b="1" dirty="0" smtClean="0">
-                <a:latin typeface="+mn-lt"/>
-                <a:cs typeface="Times New Roman" panose="02020603050405020304" pitchFamily="18" charset="0"/>
-              </a:rPr>
-              <a:t>real-time </a:t>
-            </a:r>
-            <a:r>
-              <a:rPr lang="en-US" sz="2800" dirty="0" smtClean="0">
-                <a:latin typeface="+mn-lt"/>
-                <a:cs typeface="Times New Roman" panose="02020603050405020304" pitchFamily="18" charset="0"/>
-              </a:rPr>
-              <a:t>processing with </a:t>
-            </a:r>
-            <a:r>
-              <a:rPr lang="en-US" sz="2800" dirty="0">
-                <a:latin typeface="+mn-lt"/>
-                <a:cs typeface="Times New Roman" panose="02020603050405020304" pitchFamily="18" charset="0"/>
-              </a:rPr>
-              <a:t>acceptable delay and </a:t>
-            </a:r>
-            <a:r>
-              <a:rPr lang="en-US" sz="2800" dirty="0" smtClean="0">
-                <a:latin typeface="+mn-lt"/>
-                <a:cs typeface="Times New Roman" panose="02020603050405020304" pitchFamily="18" charset="0"/>
-              </a:rPr>
-              <a:t>can correct </a:t>
-            </a:r>
-            <a:r>
-              <a:rPr lang="en-US" sz="2800" dirty="0">
-                <a:latin typeface="+mn-lt"/>
-                <a:cs typeface="Times New Roman" panose="02020603050405020304" pitchFamily="18" charset="0"/>
-              </a:rPr>
-              <a:t>earlier outputs when necessary. </a:t>
-            </a:r>
-            <a:endParaRPr lang="en-US" sz="2800" dirty="0" smtClean="0">
-              <a:latin typeface="+mn-lt"/>
-              <a:cs typeface="Times New Roman" panose="02020603050405020304" pitchFamily="18" charset="0"/>
-            </a:endParaRPr>
-          </a:p>
-          <a:p>
-            <a:pPr eaLnBrk="1" hangingPunct="1"/>
-            <a:endParaRPr lang="en-US" sz="2800" dirty="0">
-              <a:latin typeface="+mn-lt"/>
-              <a:cs typeface="Times New Roman" panose="02020603050405020304" pitchFamily="18" charset="0"/>
-            </a:endParaRPr>
-          </a:p>
-          <a:p>
-            <a:pPr eaLnBrk="1" hangingPunct="1"/>
-            <a:r>
-              <a:rPr lang="en-US" sz="2800" dirty="0">
-                <a:latin typeface="+mn-lt"/>
-                <a:cs typeface="Times New Roman" panose="02020603050405020304" pitchFamily="18" charset="0"/>
-              </a:rPr>
-              <a:t>Keywords: Speaker diarization, binary key speaker modelling, speaker clustering, MFCC</a:t>
-            </a:r>
-          </a:p>
-          <a:p>
-            <a:pPr eaLnBrk="1" hangingPunct="1"/>
-            <a:endParaRPr lang="en-US" sz="2800" dirty="0">
-              <a:latin typeface="+mn-lt"/>
-            </a:endParaRPr>
-          </a:p>
-        </p:txBody>
-      </p:sp>
-      <p:sp>
-        <p:nvSpPr>
-          <p:cNvPr id="32" name="Rectangle 31"/>
+          <p:cNvPr id="33" name="Rectangle 32"/>
           <p:cNvSpPr/>
           <p:nvPr/>
         </p:nvSpPr>
         <p:spPr>
           <a:xfrm>
-            <a:off x="1280160" y="4800600"/>
+            <a:off x="1280160" y="4799273"/>
             <a:ext cx="9692640" cy="685800"/>
           </a:xfrm>
           <a:prstGeom prst="rect">
@@ -3320,66 +3148,7 @@
             <a:r>
               <a:rPr lang="en-US" sz="4400" b="1" dirty="0">
                 <a:solidFill>
-                  <a:schemeClr val="accent3">
-                    <a:lumMod val="20000"/>
-                    <a:lumOff val="80000"/>
-                  </a:schemeClr>
-                </a:solidFill>
-              </a:rPr>
-              <a:t>Abstract</a:t>
-            </a:r>
-          </a:p>
-        </p:txBody>
-      </p:sp>
-      <p:sp>
-        <p:nvSpPr>
-          <p:cNvPr id="33" name="Rectangle 32"/>
-          <p:cNvSpPr/>
-          <p:nvPr/>
-        </p:nvSpPr>
-        <p:spPr>
-          <a:xfrm>
-            <a:off x="1280160" y="12687300"/>
-            <a:ext cx="9692640" cy="685800"/>
-          </a:xfrm>
-          <a:prstGeom prst="rect">
-            <a:avLst/>
-          </a:prstGeom>
-          <a:solidFill>
-            <a:schemeClr val="accent1">
-              <a:lumMod val="75000"/>
-            </a:schemeClr>
-          </a:solidFill>
-          <a:ln w="12700"/>
-        </p:spPr>
-        <p:style>
-          <a:lnRef idx="2">
-            <a:schemeClr val="accent1">
-              <a:shade val="50000"/>
-            </a:schemeClr>
-          </a:lnRef>
-          <a:fillRef idx="1">
-            <a:schemeClr val="accent1"/>
-          </a:fillRef>
-          <a:effectRef idx="0">
-            <a:schemeClr val="accent1"/>
-          </a:effectRef>
-          <a:fontRef idx="minor">
-            <a:schemeClr val="lt1"/>
-          </a:fontRef>
-        </p:style>
-        <p:txBody>
-          <a:bodyPr lIns="68568" tIns="34284" rIns="68568" bIns="34284" rtlCol="0" anchor="ctr"/>
-          <a:lstStyle/>
-          <a:p>
-            <a:pPr algn="ctr"/>
-            <a:r>
-              <a:rPr lang="en-US" sz="4400" b="1" dirty="0">
-                <a:solidFill>
-                  <a:schemeClr val="accent3">
-                    <a:lumMod val="20000"/>
-                    <a:lumOff val="80000"/>
-                  </a:schemeClr>
+                  <a:schemeClr val="bg1"/>
                 </a:solidFill>
               </a:rPr>
               <a:t>Introduction</a:t>
@@ -3395,8 +3164,8 @@
         </p:nvSpPr>
         <p:spPr>
           <a:xfrm>
-            <a:off x="11506303" y="4796869"/>
-            <a:ext cx="20219753" cy="688204"/>
+            <a:off x="11567160" y="4796869"/>
+            <a:ext cx="20208240" cy="688204"/>
           </a:xfrm>
           <a:prstGeom prst="rect">
             <a:avLst/>
@@ -3432,20 +3201,14 @@
             <a:r>
               <a:rPr lang="en-US" sz="4400" b="1" dirty="0" smtClean="0">
                 <a:solidFill>
-                  <a:schemeClr val="accent3">
-                    <a:lumMod val="20000"/>
-                    <a:lumOff val="80000"/>
-                  </a:schemeClr>
+                  <a:schemeClr val="bg1"/>
                 </a:solidFill>
               </a:rPr>
               <a:t>System Design</a:t>
             </a:r>
             <a:endParaRPr lang="en-US" sz="4400" b="1" dirty="0">
               <a:solidFill>
-                <a:schemeClr val="accent3">
-                  <a:lumMod val="20000"/>
-                  <a:lumOff val="80000"/>
-                </a:schemeClr>
+                <a:schemeClr val="bg1"/>
               </a:solidFill>
             </a:endParaRPr>
           </a:p>
@@ -3459,10 +3222,10 @@
         </p:nvGrpSpPr>
         <p:grpSpPr>
           <a:xfrm>
-            <a:off x="11334479" y="23587305"/>
-            <a:ext cx="9692640" cy="6995173"/>
+            <a:off x="11643360" y="23896301"/>
+            <a:ext cx="9692640" cy="5745499"/>
             <a:chOff x="21840588" y="14730712"/>
-            <a:chExt cx="9692640" cy="6995173"/>
+            <a:chExt cx="9692640" cy="6505545"/>
           </a:xfrm>
         </p:grpSpPr>
         <p:sp>
@@ -3475,8 +3238,8 @@
           </p:nvSpPr>
           <p:spPr bwMode="auto">
             <a:xfrm>
-              <a:off x="21840588" y="15416512"/>
-              <a:ext cx="9692640" cy="6309373"/>
+              <a:off x="21840588" y="15416511"/>
+              <a:ext cx="9692640" cy="5819746"/>
             </a:xfrm>
             <a:prstGeom prst="rect">
               <a:avLst/>
@@ -3598,10 +3361,90 @@
             <a:p>
               <a:pPr eaLnBrk="1" hangingPunct="1"/>
               <a:r>
-                <a:rPr lang="en-US" sz="2800" dirty="0">
+                <a:rPr lang="en-US" sz="3200" b="1" dirty="0" smtClean="0">
                   <a:latin typeface="Calibri" pitchFamily="34" charset="0"/>
                 </a:rPr>
-                <a:t>Click here to insert your Discussion text. Type it in or copy and paste from your Word document or other source.</a:t>
+                <a:t>Real-time </a:t>
+              </a:r>
+              <a:r>
+                <a:rPr lang="en-US" sz="3200" dirty="0" smtClean="0">
+                  <a:latin typeface="Calibri" pitchFamily="34" charset="0"/>
+                </a:rPr>
+                <a:t>Version of the system:</a:t>
+              </a:r>
+            </a:p>
+            <a:p>
+              <a:pPr marL="514350" indent="-514350" eaLnBrk="1" hangingPunct="1">
+                <a:buAutoNum type="arabicPeriod"/>
+              </a:pPr>
+              <a:r>
+                <a:rPr lang="en-US" sz="3200" b="1" dirty="0" smtClean="0">
+                  <a:latin typeface="Calibri" pitchFamily="34" charset="0"/>
+                </a:rPr>
+                <a:t>VAD, Feature extraction, Feature binarization</a:t>
+              </a:r>
+              <a:r>
+                <a:rPr lang="en-US" sz="3200" dirty="0" smtClean="0">
+                  <a:latin typeface="Calibri" pitchFamily="34" charset="0"/>
+                </a:rPr>
+                <a:t>: </a:t>
+              </a:r>
+              <a:r>
+                <a:rPr lang="en-US" sz="3200" dirty="0" smtClean="0">
+                  <a:latin typeface="Calibri" pitchFamily="34" charset="0"/>
+                </a:rPr>
+                <a:t> Performed in online manner</a:t>
+              </a:r>
+            </a:p>
+            <a:p>
+              <a:pPr marL="514350" indent="-514350" eaLnBrk="1" hangingPunct="1">
+                <a:buAutoNum type="arabicPeriod"/>
+              </a:pPr>
+              <a:r>
+                <a:rPr lang="en-US" sz="3200" b="1" dirty="0" smtClean="0">
+                  <a:latin typeface="Calibri" pitchFamily="34" charset="0"/>
+                </a:rPr>
+                <a:t>KBM Training</a:t>
+              </a:r>
+              <a:r>
+                <a:rPr lang="en-US" sz="3200" dirty="0" smtClean="0">
+                  <a:latin typeface="Calibri" pitchFamily="34" charset="0"/>
+                </a:rPr>
+                <a:t>: Performed in offline manner, do not need to perform every time when data in.</a:t>
+              </a:r>
+            </a:p>
+            <a:p>
+              <a:pPr marL="514350" indent="-514350" eaLnBrk="1" hangingPunct="1">
+                <a:buAutoNum type="arabicPeriod"/>
+              </a:pPr>
+              <a:r>
+                <a:rPr lang="en-US" sz="3200" b="1" dirty="0" smtClean="0">
+                  <a:latin typeface="Calibri" pitchFamily="34" charset="0"/>
+                </a:rPr>
+                <a:t>Clustering</a:t>
+              </a:r>
+              <a:r>
+                <a:rPr lang="en-US" sz="3200" dirty="0" smtClean="0">
+                  <a:latin typeface="Calibri" pitchFamily="34" charset="0"/>
+                </a:rPr>
+                <a:t>: fast and naive online clustering first for new data, the result of offline clustering will be used to update the previous result when it complete</a:t>
+              </a:r>
+            </a:p>
+            <a:p>
+              <a:pPr marL="514350" indent="-514350" eaLnBrk="1" hangingPunct="1">
+                <a:buAutoNum type="arabicPeriod"/>
+              </a:pPr>
+              <a:r>
+                <a:rPr lang="en-US" sz="3200" b="1" dirty="0" smtClean="0">
+                  <a:latin typeface="Calibri" pitchFamily="34" charset="0"/>
+                </a:rPr>
+                <a:t>Resegmentation:</a:t>
+              </a:r>
+              <a:r>
+                <a:rPr lang="en-US" sz="3200" b="1" dirty="0" smtClean="0">
+                  <a:latin typeface="Calibri" pitchFamily="34" charset="0"/>
+                </a:rPr>
+                <a:t> </a:t>
               </a:r>
             </a:p>
             <a:p>
@@ -3609,69 +3452,6 @@
               <a:endParaRPr lang="en-US" sz="2800" dirty="0">
                 <a:latin typeface="Calibri" pitchFamily="34" charset="0"/>
               </a:endParaRPr>
-            </a:p>
-            <a:p>
-              <a:pPr eaLnBrk="1" hangingPunct="1"/>
-              <a:r>
-                <a:rPr lang="en-US" sz="2800" dirty="0">
-                  <a:latin typeface="Calibri" pitchFamily="34" charset="0"/>
-                </a:rPr>
-                <a:t>This text box will automatically re-size to your text. To turn off that feature, right click inside this box and go to </a:t>
-              </a:r>
-              <a:r>
-                <a:rPr lang="en-US" sz="2800" b="1" dirty="0">
-                  <a:latin typeface="Calibri" pitchFamily="34" charset="0"/>
-                </a:rPr>
-                <a:t>Format Shape, Text Box, Autofit</a:t>
-              </a:r>
-              <a:r>
-                <a:rPr lang="en-US" sz="2800" dirty="0">
-                  <a:latin typeface="Calibri" pitchFamily="34" charset="0"/>
-                </a:rPr>
-                <a:t>, and select the “Do Not Autofit” radio button.</a:t>
-              </a:r>
-            </a:p>
-            <a:p>
-              <a:pPr eaLnBrk="1" hangingPunct="1"/>
-              <a:endParaRPr lang="en-US" sz="2800" dirty="0">
-                <a:latin typeface="Calibri" pitchFamily="34" charset="0"/>
-              </a:endParaRPr>
-            </a:p>
-            <a:p>
-              <a:pPr eaLnBrk="1" hangingPunct="1"/>
-              <a:r>
-                <a:rPr lang="en-US" sz="2800" dirty="0">
-                  <a:latin typeface="Calibri" pitchFamily="34" charset="0"/>
-                </a:rPr>
-                <a:t>To change the font style of this text box: Click on the border once to highlight the entire text box, then select a different font or font size that suits you. This text is Calibri 28pt and is easily </a:t>
-              </a:r>
-              <a:r>
-                <a:rPr lang="en-US" sz="2800" dirty="0" smtClean="0">
-                  <a:latin typeface="Calibri" pitchFamily="34" charset="0"/>
-                </a:rPr>
-                <a:t>read </a:t>
-              </a:r>
-              <a:r>
-                <a:rPr lang="en-US" sz="2800" dirty="0">
-                  <a:latin typeface="Calibri" pitchFamily="34" charset="0"/>
-                </a:rPr>
-                <a:t>up to 4 feet away on a 36x36 poster.</a:t>
-              </a:r>
-            </a:p>
-            <a:p>
-              <a:pPr eaLnBrk="1" hangingPunct="1"/>
-              <a:endParaRPr lang="en-US" sz="2800" dirty="0">
-                <a:latin typeface="Calibri" pitchFamily="34" charset="0"/>
-              </a:endParaRPr>
-            </a:p>
-            <a:p>
-              <a:pPr eaLnBrk="1" hangingPunct="1"/>
-              <a:r>
-                <a:rPr lang="en-US" sz="2800" dirty="0">
-                  <a:latin typeface="Calibri" pitchFamily="34" charset="0"/>
-                </a:rPr>
-                <a:t>Zoom out to 100% to preview what this will look like on your printed poster.</a:t>
-              </a:r>
             </a:p>
           </p:txBody>
         </p:sp>
@@ -3720,294 +3500,10 @@
               <a:r>
                 <a:rPr lang="en-US" sz="4400" b="1" dirty="0">
                   <a:solidFill>
-                    <a:schemeClr val="accent3">
-                      <a:lumMod val="20000"/>
-                      <a:lumOff val="80000"/>
-                    </a:schemeClr>
+                    <a:schemeClr val="bg1"/>
                   </a:solidFill>
                 </a:rPr>
                 <a:t>Discussion</a:t>
-              </a:r>
-            </a:p>
-          </p:txBody>
-        </p:sp>
-      </p:grpSp>
-      <p:grpSp>
-        <p:nvGrpSpPr>
-          <p:cNvPr id="121" name="Group 120"/>
-          <p:cNvGrpSpPr/>
-          <p:nvPr/>
-        </p:nvGrpSpPr>
-        <p:grpSpPr>
-          <a:xfrm>
-            <a:off x="21686516" y="25493363"/>
-            <a:ext cx="9692640" cy="7023748"/>
-            <a:chOff x="21493621" y="21775298"/>
-            <a:chExt cx="9692640" cy="7023748"/>
-          </a:xfrm>
-        </p:grpSpPr>
-        <p:sp>
-          <p:nvSpPr>
-            <p:cNvPr id="14" name="Text Box 193"/>
-            <p:cNvSpPr txBox="1">
-              <a:spLocks noChangeArrowheads="1"/>
-            </p:cNvSpPr>
-            <p:nvPr/>
-          </p:nvSpPr>
-          <p:spPr bwMode="auto">
-            <a:xfrm>
-              <a:off x="21493621" y="22489673"/>
-              <a:ext cx="9692640" cy="6309373"/>
-            </a:xfrm>
-            <a:prstGeom prst="rect">
-              <a:avLst/>
-            </a:prstGeom>
-            <a:solidFill>
-              <a:schemeClr val="bg1"/>
-            </a:solidFill>
-            <a:ln w="12700">
-              <a:solidFill>
-                <a:schemeClr val="accent1">
-                  <a:lumMod val="75000"/>
-                </a:schemeClr>
-              </a:solidFill>
-            </a:ln>
-            <a:effectLst/>
-          </p:spPr>
-          <p:txBody>
-            <a:bodyPr lIns="137137" tIns="137137" rIns="137137" bIns="137137">
-              <a:spAutoFit/>
-            </a:bodyPr>
-            <a:lstStyle>
-              <a:lvl1pPr eaLnBrk="0" hangingPunct="0">
-                <a:defRPr sz="2200">
-                  <a:solidFill>
-                    <a:schemeClr val="tx1"/>
-                  </a:solidFill>
-                  <a:latin typeface="Arial" charset="0"/>
-                </a:defRPr>
-              </a:lvl1pPr>
-              <a:lvl2pPr marL="742950" indent="-285750" eaLnBrk="0" hangingPunct="0">
-                <a:defRPr sz="2200">
-                  <a:solidFill>
-                    <a:schemeClr val="tx1"/>
-                  </a:solidFill>
-                  <a:latin typeface="Arial" charset="0"/>
-                </a:defRPr>
-              </a:lvl2pPr>
-              <a:lvl3pPr marL="1143000" indent="-228600" eaLnBrk="0" hangingPunct="0">
-                <a:defRPr sz="2200">
-                  <a:solidFill>
-                    <a:schemeClr val="tx1"/>
-                  </a:solidFill>
-                  <a:latin typeface="Arial" charset="0"/>
-                </a:defRPr>
-              </a:lvl3pPr>
-              <a:lvl4pPr marL="1600200" indent="-228600" eaLnBrk="0" hangingPunct="0">
-                <a:defRPr sz="2200">
-                  <a:solidFill>
-                    <a:schemeClr val="tx1"/>
-                  </a:solidFill>
-                  <a:latin typeface="Arial" charset="0"/>
-                </a:defRPr>
-              </a:lvl4pPr>
-              <a:lvl5pPr marL="2057400" indent="-228600" eaLnBrk="0" hangingPunct="0">
-                <a:defRPr sz="2200">
-                  <a:solidFill>
-                    <a:schemeClr val="tx1"/>
-                  </a:solidFill>
-                  <a:latin typeface="Arial" charset="0"/>
-                </a:defRPr>
-              </a:lvl5pPr>
-              <a:lvl6pPr marL="2514600" indent="-228600" eaLnBrk="0" fontAlgn="base" hangingPunct="0">
-                <a:spcBef>
-                  <a:spcPct val="0"/>
-                </a:spcBef>
-                <a:spcAft>
-                  <a:spcPct val="0"/>
-                </a:spcAft>
-                <a:defRPr sz="2200">
-                  <a:solidFill>
-                    <a:schemeClr val="tx1"/>
-                  </a:solidFill>
-                  <a:latin typeface="Arial" charset="0"/>
-                </a:defRPr>
-              </a:lvl6pPr>
-              <a:lvl7pPr marL="2971800" indent="-228600" eaLnBrk="0" fontAlgn="base" hangingPunct="0">
-                <a:spcBef>
-                  <a:spcPct val="0"/>
-                </a:spcBef>
-                <a:spcAft>
-                  <a:spcPct val="0"/>
-                </a:spcAft>
-                <a:defRPr sz="2200">
-                  <a:solidFill>
-                    <a:schemeClr val="tx1"/>
-                  </a:solidFill>
-                  <a:latin typeface="Arial" charset="0"/>
-                </a:defRPr>
-              </a:lvl7pPr>
-              <a:lvl8pPr marL="3429000" indent="-228600" eaLnBrk="0" fontAlgn="base" hangingPunct="0">
-                <a:spcBef>
-                  <a:spcPct val="0"/>
-                </a:spcBef>
-                <a:spcAft>
-                  <a:spcPct val="0"/>
-                </a:spcAft>
-                <a:defRPr sz="2200">
-                  <a:solidFill>
-                    <a:schemeClr val="tx1"/>
-                  </a:solidFill>
-                  <a:latin typeface="Arial" charset="0"/>
-                </a:defRPr>
-              </a:lvl8pPr>
-              <a:lvl9pPr marL="3886200" indent="-228600" eaLnBrk="0" fontAlgn="base" hangingPunct="0">
-                <a:spcBef>
-                  <a:spcPct val="0"/>
-                </a:spcBef>
-                <a:spcAft>
-                  <a:spcPct val="0"/>
-                </a:spcAft>
-                <a:defRPr sz="2200">
-                  <a:solidFill>
-                    <a:schemeClr val="tx1"/>
-                  </a:solidFill>
-                  <a:latin typeface="Arial" charset="0"/>
-                </a:defRPr>
-              </a:lvl9pPr>
-            </a:lstStyle>
-            <a:p>
-              <a:pPr eaLnBrk="1" hangingPunct="1"/>
-              <a:r>
-                <a:rPr lang="en-US" sz="2800" dirty="0">
-                  <a:latin typeface="Calibri" pitchFamily="34" charset="0"/>
-                </a:rPr>
-                <a:t>Click here to insert your Conclusions text. Type it in or copy and paste from your Word document or other source.</a:t>
-              </a:r>
-            </a:p>
-            <a:p>
-              <a:pPr eaLnBrk="1" hangingPunct="1"/>
-              <a:endParaRPr lang="en-US" sz="2800" dirty="0">
-                <a:latin typeface="Calibri" pitchFamily="34" charset="0"/>
-              </a:endParaRPr>
-            </a:p>
-            <a:p>
-              <a:pPr eaLnBrk="1" hangingPunct="1"/>
-              <a:r>
-                <a:rPr lang="en-US" sz="2800" dirty="0">
-                  <a:latin typeface="Calibri" pitchFamily="34" charset="0"/>
-                </a:rPr>
-                <a:t>This text box will automatically re-size to your text. To turn off that feature, right click inside this box and go to </a:t>
-              </a:r>
-              <a:r>
-                <a:rPr lang="en-US" sz="2800" b="1" dirty="0">
-                  <a:latin typeface="Calibri" pitchFamily="34" charset="0"/>
-                </a:rPr>
-                <a:t>Format Shape, Text Box, Autofit</a:t>
-              </a:r>
-              <a:r>
-                <a:rPr lang="en-US" sz="2800" dirty="0">
-                  <a:latin typeface="Calibri" pitchFamily="34" charset="0"/>
-                </a:rPr>
-                <a:t>, and select the “Do Not Autofit” radio button.</a:t>
-              </a:r>
-            </a:p>
-            <a:p>
-              <a:pPr eaLnBrk="1" hangingPunct="1"/>
-              <a:endParaRPr lang="en-US" sz="2800" dirty="0">
-                <a:latin typeface="Calibri" pitchFamily="34" charset="0"/>
-              </a:endParaRPr>
-            </a:p>
-            <a:p>
-              <a:pPr eaLnBrk="1" hangingPunct="1"/>
-              <a:r>
-                <a:rPr lang="en-US" sz="2800" dirty="0">
-                  <a:latin typeface="Calibri" pitchFamily="34" charset="0"/>
-                </a:rPr>
-                <a:t>To change the font style of this text box: Click on the border once to highlight the entire text box, then select a different font or font size that suits you. This text is Calibri 28pt and is easily </a:t>
-              </a:r>
-              <a:r>
-                <a:rPr lang="en-US" sz="2800" dirty="0" smtClean="0">
-                  <a:latin typeface="Calibri" pitchFamily="34" charset="0"/>
-                </a:rPr>
-                <a:t>read </a:t>
-              </a:r>
-              <a:r>
-                <a:rPr lang="en-US" sz="2800" dirty="0">
-                  <a:latin typeface="Calibri" pitchFamily="34" charset="0"/>
-                </a:rPr>
-                <a:t>up to 4 feet away on a 36x36 poster.</a:t>
-              </a:r>
-            </a:p>
-            <a:p>
-              <a:pPr eaLnBrk="1" hangingPunct="1"/>
-              <a:endParaRPr lang="en-US" sz="2800" dirty="0">
-                <a:latin typeface="Calibri" pitchFamily="34" charset="0"/>
-              </a:endParaRPr>
-            </a:p>
-            <a:p>
-              <a:pPr eaLnBrk="1" hangingPunct="1"/>
-              <a:r>
-                <a:rPr lang="en-US" sz="2800" dirty="0">
-                  <a:latin typeface="Calibri" pitchFamily="34" charset="0"/>
-                </a:rPr>
-                <a:t>Zoom out to 100% to preview what this will look like on your printed poster.</a:t>
-              </a:r>
-            </a:p>
-          </p:txBody>
-        </p:sp>
-        <p:sp>
-          <p:nvSpPr>
-            <p:cNvPr id="36" name="Rectangle 35"/>
-            <p:cNvSpPr/>
-            <p:nvPr/>
-          </p:nvSpPr>
-          <p:spPr>
-            <a:xfrm>
-              <a:off x="21493621" y="21775298"/>
-              <a:ext cx="9692640" cy="685800"/>
-            </a:xfrm>
-            <a:prstGeom prst="rect">
-              <a:avLst/>
-            </a:prstGeom>
-            <a:solidFill>
-              <a:schemeClr val="accent1">
-                <a:lumMod val="75000"/>
-              </a:schemeClr>
-            </a:solidFill>
-            <a:ln w="12700"/>
-          </p:spPr>
-          <p:style>
-            <a:lnRef idx="2">
-              <a:schemeClr val="accent1">
-                <a:shade val="50000"/>
-              </a:schemeClr>
-            </a:lnRef>
-            <a:fillRef idx="1">
-              <a:schemeClr val="accent1"/>
-            </a:fillRef>
-            <a:effectRef idx="0">
-              <a:schemeClr val="accent1"/>
-            </a:effectRef>
-            <a:fontRef idx="minor">
-              <a:schemeClr val="lt1"/>
-            </a:fontRef>
-          </p:style>
-          <p:txBody>
-            <a:bodyPr lIns="68568" tIns="34284" rIns="68568" bIns="34284" rtlCol="0" anchor="ctr"/>
-            <a:lstStyle/>
-            <a:p>
-              <a:pPr algn="ctr"/>
-              <a:r>
-                <a:rPr lang="en-US" sz="4400" b="1" dirty="0">
-                  <a:solidFill>
-                    <a:schemeClr val="accent3">
-                      <a:lumMod val="20000"/>
-                      <a:lumOff val="80000"/>
-                    </a:schemeClr>
-                  </a:solidFill>
-                </a:rPr>
-                <a:t>Conclusions</a:t>
               </a:r>
             </a:p>
           </p:txBody>
@@ -4023,8 +3519,8 @@
         </p:nvSpPr>
         <p:spPr bwMode="auto">
           <a:xfrm>
-            <a:off x="1280160" y="13319550"/>
-            <a:ext cx="9692640" cy="16445674"/>
+            <a:off x="1295400" y="5486400"/>
+            <a:ext cx="9692640" cy="19974652"/>
           </a:xfrm>
           <a:prstGeom prst="rect">
             <a:avLst/>
@@ -4146,19 +3642,25 @@
           <a:p>
             <a:pPr eaLnBrk="1" hangingPunct="1"/>
             <a:r>
-              <a:rPr lang="en-US" sz="2800" b="1" dirty="0" smtClean="0">
+              <a:rPr lang="en-US" sz="3200" b="1" dirty="0" smtClean="0">
                 <a:latin typeface="+mn-lt"/>
               </a:rPr>
-              <a:t>Speaker diarization </a:t>
+              <a:t> Speaker </a:t>
             </a:r>
             <a:r>
-              <a:rPr lang="en-US" sz="2800" dirty="0">
+              <a:rPr lang="en-US" sz="3200" b="1" dirty="0" smtClean="0">
+                <a:latin typeface="+mn-lt"/>
+              </a:rPr>
+              <a:t>diarization </a:t>
+            </a:r>
+            <a:r>
+              <a:rPr lang="en-US" sz="3200" dirty="0">
                 <a:latin typeface="+mn-lt"/>
               </a:rPr>
               <a:t>i</a:t>
             </a:r>
             <a:r>
-              <a:rPr lang="en-US" sz="2800" dirty="0" smtClean="0">
+              <a:rPr lang="en-US" sz="3200" dirty="0" smtClean="0">
                 <a:latin typeface="+mn-lt"/>
               </a:rPr>
               <a:t>s the process of segmenting an input audio stream into speaker-homogeneous segments</a:t>
@@ -4166,13 +3668,13 @@
           </a:p>
           <a:p>
             <a:pPr eaLnBrk="1" hangingPunct="1"/>
-            <a:endParaRPr lang="en-US" sz="2800" dirty="0" smtClean="0">
+            <a:endParaRPr lang="en-US" sz="3200" dirty="0" smtClean="0">
               <a:latin typeface="+mn-lt"/>
             </a:endParaRPr>
           </a:p>
           <a:p>
             <a:pPr eaLnBrk="1" hangingPunct="1"/>
-            <a:endParaRPr lang="en-US" sz="2800" dirty="0">
+            <a:endParaRPr lang="en-US" sz="3200" dirty="0">
               <a:latin typeface="+mn-lt"/>
             </a:endParaRPr>
           </a:p>
@@ -4181,7 +3683,7 @@
               <a:buFont typeface="Arial" panose="020B0604020202020204" pitchFamily="34" charset="0"/>
               <a:buChar char="•"/>
             </a:pPr>
-            <a:endParaRPr lang="en-US" sz="2800" dirty="0" smtClean="0">
+            <a:endParaRPr lang="en-US" sz="3200" dirty="0" smtClean="0">
               <a:latin typeface="+mn-lt"/>
             </a:endParaRPr>
           </a:p>
@@ -4190,7 +3692,7 @@
               <a:buFont typeface="Arial" panose="020B0604020202020204" pitchFamily="34" charset="0"/>
               <a:buChar char="•"/>
             </a:pPr>
-            <a:endParaRPr lang="en-US" sz="2800" dirty="0">
+            <a:endParaRPr lang="en-US" sz="3200" dirty="0">
               <a:latin typeface="+mn-lt"/>
             </a:endParaRPr>
           </a:p>
@@ -4199,7 +3701,7 @@
               <a:buFont typeface="Arial" panose="020B0604020202020204" pitchFamily="34" charset="0"/>
               <a:buChar char="•"/>
             </a:pPr>
-            <a:endParaRPr lang="en-US" sz="1992" dirty="0" smtClean="0">
+            <a:endParaRPr lang="en-US" sz="3200" dirty="0" smtClean="0">
               <a:latin typeface="+mn-lt"/>
             </a:endParaRPr>
           </a:p>
@@ -4208,22 +3710,19 @@
               <a:buFont typeface="Arial" panose="020B0604020202020204" pitchFamily="34" charset="0"/>
               <a:buChar char="•"/>
             </a:pPr>
-            <a:endParaRPr lang="en-US" sz="2800" dirty="0">
-              <a:latin typeface="+mn-lt"/>
-            </a:endParaRPr>
-          </a:p>
-          <a:p>
-            <a:pPr marL="457200" indent="-457200" eaLnBrk="1" hangingPunct="1">
-              <a:buFont typeface="Arial" panose="020B0604020202020204" pitchFamily="34" charset="0"/>
-              <a:buChar char="•"/>
-            </a:pPr>
-            <a:endParaRPr lang="en-US" sz="2800" dirty="0" smtClean="0">
+            <a:endParaRPr lang="en-US" sz="3200" dirty="0">
               <a:latin typeface="+mn-lt"/>
             </a:endParaRPr>
           </a:p>
           <a:p>
             <a:pPr eaLnBrk="1" hangingPunct="1"/>
-            <a:endParaRPr lang="en-US" sz="2800" dirty="0" smtClean="0">
+            <a:endParaRPr lang="en-US" sz="3200" dirty="0">
+              <a:latin typeface="+mn-lt"/>
+            </a:endParaRPr>
+          </a:p>
+          <a:p>
+            <a:pPr eaLnBrk="1" hangingPunct="1"/>
+            <a:endParaRPr lang="en-US" sz="3200" dirty="0" smtClean="0">
               <a:latin typeface="+mn-lt"/>
             </a:endParaRPr>
           </a:p>
@@ -4233,10 +3732,16 @@
               <a:buChar char="•"/>
             </a:pPr>
             <a:r>
-              <a:rPr lang="en-US" sz="2800" dirty="0">
+              <a:rPr lang="en-US" sz="3200" dirty="0">
                 <a:latin typeface="+mn-lt"/>
               </a:rPr>
-              <a:t>Answer: “Who spoke when?” </a:t>
+              <a:t>Answer: </a:t>
+            </a:r>
+            <a:r>
+              <a:rPr lang="en-US" sz="3200" b="1" i="1" dirty="0">
+                <a:latin typeface="+mn-lt"/>
+              </a:rPr>
+              <a:t>“Who spoke when?” </a:t>
             </a:r>
           </a:p>
           <a:p>
@@ -4245,7 +3750,7 @@
               <a:buChar char="•"/>
             </a:pPr>
             <a:r>
-              <a:rPr lang="en-US" sz="2800" dirty="0">
+              <a:rPr lang="en-US" sz="3200" dirty="0">
                 <a:latin typeface="+mn-lt"/>
               </a:rPr>
               <a:t>Speaker identities and number of speakers are unknown</a:t>
@@ -4253,17 +3758,23 @@
           </a:p>
           <a:p>
             <a:pPr eaLnBrk="1" hangingPunct="1"/>
-            <a:endParaRPr lang="en-US" sz="2276" dirty="0" smtClean="0">
+            <a:endParaRPr lang="en-US" sz="3200" dirty="0" smtClean="0">
               <a:latin typeface="+mn-lt"/>
             </a:endParaRPr>
           </a:p>
           <a:p>
             <a:pPr eaLnBrk="1" hangingPunct="1"/>
             <a:r>
-              <a:rPr lang="en-US" sz="2800" b="1" dirty="0" smtClean="0">
+              <a:rPr lang="en-US" sz="3200" b="1" dirty="0" smtClean="0">
                 <a:latin typeface="+mn-lt"/>
               </a:rPr>
-              <a:t>Speaker diarization ≠ Speaker recognition:</a:t>
+              <a:t> Speaker </a:t>
+            </a:r>
+            <a:r>
+              <a:rPr lang="en-US" sz="3200" b="1" dirty="0" smtClean="0">
+                <a:latin typeface="+mn-lt"/>
+              </a:rPr>
+              <a:t>diarization ≠ Speaker recognition:</a:t>
             </a:r>
           </a:p>
           <a:p>
@@ -4272,7 +3783,7 @@
               <a:buChar char="•"/>
             </a:pPr>
             <a:r>
-              <a:rPr lang="en-US" sz="2800" dirty="0" smtClean="0">
+              <a:rPr lang="en-US" sz="3200" dirty="0" smtClean="0">
                 <a:latin typeface="+mn-lt"/>
               </a:rPr>
               <a:t>Timestamps are important</a:t>
@@ -4284,7 +3795,7 @@
               <a:buChar char="•"/>
             </a:pPr>
             <a:r>
-              <a:rPr lang="en-US" sz="2800" dirty="0" smtClean="0">
+              <a:rPr lang="en-US" sz="3200" dirty="0" smtClean="0">
                 <a:latin typeface="+mn-lt"/>
               </a:rPr>
               <a:t>No enrollment process: no speaker voiceprint</a:t>
@@ -4292,17 +3803,23 @@
           </a:p>
           <a:p>
             <a:pPr eaLnBrk="1" hangingPunct="1"/>
-            <a:endParaRPr lang="en-US" sz="2800" dirty="0" smtClean="0">
+            <a:endParaRPr lang="en-US" sz="3200" dirty="0" smtClean="0">
               <a:latin typeface="+mn-lt"/>
             </a:endParaRPr>
           </a:p>
           <a:p>
             <a:pPr eaLnBrk="1" hangingPunct="1"/>
             <a:r>
-              <a:rPr lang="en-US" sz="2800" b="1" dirty="0" smtClean="0">
+              <a:rPr lang="en-US" sz="3200" b="1" dirty="0" smtClean="0">
                 <a:latin typeface="+mn-lt"/>
               </a:rPr>
-              <a:t>Applications:</a:t>
+              <a:t> Applications</a:t>
+            </a:r>
+            <a:r>
+              <a:rPr lang="en-US" sz="3200" b="1" dirty="0" smtClean="0">
+                <a:latin typeface="+mn-lt"/>
+              </a:rPr>
+              <a:t>:</a:t>
             </a:r>
           </a:p>
           <a:p>
@@ -4311,20 +3828,11 @@
               <a:buChar char="•"/>
             </a:pPr>
             <a:r>
-              <a:rPr lang="en-US" sz="2800" dirty="0" smtClean="0">
+              <a:rPr lang="en-US" sz="3200" dirty="0" smtClean="0">
                 <a:latin typeface="+mn-lt"/>
               </a:rPr>
-              <a:t>Improve ASR </a:t>
+              <a:t>Improve ASR accuracy</a:t>
             </a:r>
-            <a:r>
-              <a:rPr lang="en-US" sz="2800" dirty="0" smtClean="0">
-                <a:latin typeface="+mn-lt"/>
-              </a:rPr>
-              <a:t>accuracy</a:t>
-            </a:r>
-            <a:endParaRPr lang="en-US" sz="2800" dirty="0" smtClean="0">
-              <a:latin typeface="+mn-lt"/>
-            </a:endParaRPr>
           </a:p>
           <a:p>
             <a:pPr marL="457200" indent="-457200" eaLnBrk="1" hangingPunct="1">
@@ -4332,7 +3840,7 @@
               <a:buChar char="•"/>
             </a:pPr>
             <a:r>
-              <a:rPr lang="en-US" sz="2800" dirty="0" smtClean="0">
+              <a:rPr lang="en-US" sz="3200" dirty="0" smtClean="0">
                 <a:latin typeface="+mn-lt"/>
               </a:rPr>
               <a:t>Improve speaker recognition in multi-speaker data</a:t>
@@ -4344,7 +3852,7 @@
               <a:buChar char="•"/>
             </a:pPr>
             <a:r>
-              <a:rPr lang="en-US" sz="2800" dirty="0" smtClean="0">
+              <a:rPr lang="en-US" sz="3200" dirty="0" smtClean="0">
                 <a:latin typeface="+mn-lt"/>
               </a:rPr>
               <a:t>Source separation: e.g. doctor vs patient</a:t>
@@ -4356,7 +3864,7 @@
               <a:buChar char="•"/>
             </a:pPr>
             <a:r>
-              <a:rPr lang="en-US" sz="2800" dirty="0" smtClean="0">
+              <a:rPr lang="en-US" sz="3200" dirty="0" smtClean="0">
                 <a:latin typeface="+mn-lt"/>
               </a:rPr>
               <a:t>Spoken document indexing and retrieval</a:t>
@@ -4364,20 +3872,26 @@
           </a:p>
           <a:p>
             <a:pPr eaLnBrk="1" hangingPunct="1"/>
-            <a:endParaRPr lang="en-US" sz="2800" dirty="0" smtClean="0">
+            <a:endParaRPr lang="en-US" sz="3200" dirty="0" smtClean="0">
               <a:latin typeface="+mn-lt"/>
             </a:endParaRPr>
           </a:p>
           <a:p>
             <a:pPr eaLnBrk="1" hangingPunct="1"/>
             <a:r>
-              <a:rPr lang="en-US" sz="2800" b="1" dirty="0">
+              <a:rPr lang="en-US" sz="3200" b="1" dirty="0" smtClean="0">
                 <a:latin typeface="+mn-lt"/>
               </a:rPr>
-              <a:t>Generic diarization scheme</a:t>
+              <a:t> Generic </a:t>
             </a:r>
             <a:r>
-              <a:rPr lang="en-US" sz="2800" dirty="0" smtClean="0">
+              <a:rPr lang="en-US" sz="3200" b="1" dirty="0">
+                <a:latin typeface="+mn-lt"/>
+              </a:rPr>
+              <a:t>diarization scheme</a:t>
+            </a:r>
+            <a:r>
+              <a:rPr lang="en-US" sz="3200" dirty="0" smtClean="0">
                 <a:latin typeface="+mn-lt"/>
               </a:rPr>
               <a:t>:</a:t>
@@ -4385,61 +3899,61 @@
           </a:p>
           <a:p>
             <a:pPr eaLnBrk="1" hangingPunct="1"/>
-            <a:endParaRPr lang="en-US" sz="2800" dirty="0">
+            <a:endParaRPr lang="en-US" sz="3200" dirty="0">
               <a:latin typeface="+mn-lt"/>
             </a:endParaRPr>
           </a:p>
           <a:p>
             <a:pPr eaLnBrk="1" hangingPunct="1"/>
-            <a:endParaRPr lang="en-US" sz="2800" dirty="0">
+            <a:endParaRPr lang="en-US" sz="3200" dirty="0">
               <a:latin typeface="+mn-lt"/>
             </a:endParaRPr>
           </a:p>
           <a:p>
             <a:pPr eaLnBrk="1" hangingPunct="1"/>
-            <a:endParaRPr lang="en-US" sz="2800" dirty="0" smtClean="0">
+            <a:endParaRPr lang="en-US" sz="3200" dirty="0" smtClean="0">
               <a:latin typeface="+mn-lt"/>
             </a:endParaRPr>
           </a:p>
           <a:p>
             <a:pPr eaLnBrk="1" hangingPunct="1"/>
-            <a:endParaRPr lang="en-US" sz="2800" dirty="0">
+            <a:endParaRPr lang="en-US" sz="3200" dirty="0">
               <a:latin typeface="+mn-lt"/>
             </a:endParaRPr>
           </a:p>
           <a:p>
             <a:pPr eaLnBrk="1" hangingPunct="1"/>
-            <a:endParaRPr lang="en-US" sz="2800" dirty="0" smtClean="0">
+            <a:endParaRPr lang="en-US" sz="3200" dirty="0" smtClean="0">
               <a:latin typeface="+mn-lt"/>
             </a:endParaRPr>
           </a:p>
           <a:p>
             <a:pPr eaLnBrk="1" hangingPunct="1"/>
-            <a:endParaRPr lang="en-US" sz="2800" dirty="0">
+            <a:endParaRPr lang="en-US" sz="3200" dirty="0">
               <a:latin typeface="+mn-lt"/>
             </a:endParaRPr>
           </a:p>
           <a:p>
             <a:pPr eaLnBrk="1" hangingPunct="1"/>
-            <a:endParaRPr lang="en-US" sz="2800" dirty="0" smtClean="0">
+            <a:endParaRPr lang="en-US" sz="3200" dirty="0" smtClean="0">
               <a:latin typeface="+mn-lt"/>
             </a:endParaRPr>
           </a:p>
           <a:p>
             <a:pPr eaLnBrk="1" hangingPunct="1"/>
-            <a:endParaRPr lang="en-US" sz="2800" dirty="0" smtClean="0">
+            <a:endParaRPr lang="en-US" sz="3200" dirty="0" smtClean="0">
               <a:latin typeface="+mn-lt"/>
             </a:endParaRPr>
           </a:p>
           <a:p>
             <a:pPr eaLnBrk="1" hangingPunct="1"/>
             <a:r>
-              <a:rPr lang="en-US" altLang="zh-CN" sz="2800" b="1" dirty="0" smtClean="0">
+              <a:rPr lang="en-US" altLang="zh-CN" sz="3200" b="1" dirty="0" smtClean="0">
                 <a:latin typeface="+mn-lt"/>
               </a:rPr>
-              <a:t>Problem:</a:t>
+              <a:t>Problem of existing system:</a:t>
             </a:r>
-            <a:endParaRPr lang="en-US" sz="2800" b="1" dirty="0" smtClean="0">
+            <a:endParaRPr lang="en-US" sz="3200" b="1" dirty="0" smtClean="0">
               <a:latin typeface="+mn-lt"/>
             </a:endParaRPr>
           </a:p>
@@ -4449,28 +3963,10 @@
               <a:buChar char="•"/>
             </a:pPr>
             <a:r>
-              <a:rPr lang="en-US" altLang="zh-CN" sz="2800" dirty="0" smtClean="0">
+              <a:rPr lang="en-US" altLang="zh-CN" sz="3200" dirty="0" smtClean="0">
                 <a:latin typeface="+mj-lt"/>
               </a:rPr>
-              <a:t>Require Intensive </a:t>
-            </a:r>
-            <a:r>
-              <a:rPr lang="en-US" altLang="zh-CN" sz="2800" dirty="0" smtClean="0">
-                <a:latin typeface="+mj-lt"/>
-              </a:rPr>
-              <a:t>computation </a:t>
-            </a:r>
-            <a:r>
-              <a:rPr lang="en-US" altLang="zh-CN" sz="2800" dirty="0" smtClean="0">
-                <a:latin typeface="+mj-lt"/>
-              </a:rPr>
-              <a:t>&amp; long </a:t>
-            </a:r>
-            <a:r>
-              <a:rPr lang="en-US" altLang="zh-CN" sz="2800" dirty="0" smtClean="0">
-                <a:latin typeface="+mj-lt"/>
-              </a:rPr>
-              <a:t>processing time</a:t>
+              <a:t>Require Intensive computation &amp; long processing time</a:t>
             </a:r>
           </a:p>
           <a:p>
@@ -4479,12 +3975,18 @@
               <a:buChar char="•"/>
             </a:pPr>
             <a:r>
-              <a:rPr lang="en-US" altLang="zh-CN" sz="2800" dirty="0" smtClean="0">
+              <a:rPr lang="en-US" altLang="zh-CN" sz="3200" dirty="0" smtClean="0">
                 <a:latin typeface="+mj-lt"/>
               </a:rPr>
-              <a:t>Online clustering performance requires  </a:t>
+              <a:t>Online clustering performance </a:t>
             </a:r>
-            <a:endParaRPr lang="en-US" altLang="zh-CN" sz="2800" dirty="0" smtClean="0">
+            <a:r>
+              <a:rPr lang="en-US" altLang="zh-CN" sz="3200" dirty="0" smtClean="0">
+                <a:latin typeface="+mj-lt"/>
+              </a:rPr>
+              <a:t>are much worse than offline clustering</a:t>
+            </a:r>
+            <a:endParaRPr lang="en-US" altLang="zh-CN" sz="3200" dirty="0" smtClean="0">
               <a:latin typeface="+mj-lt"/>
             </a:endParaRPr>
           </a:p>
@@ -4494,13 +3996,19 @@
               <a:buChar char="•"/>
             </a:pPr>
             <a:r>
-              <a:rPr lang="en-US" altLang="zh-CN" sz="2800" dirty="0" smtClean="0">
+              <a:rPr lang="en-US" altLang="zh-CN" sz="3200" dirty="0" smtClean="0">
                 <a:latin typeface="+mj-lt"/>
               </a:rPr>
-              <a:t>Lack of Real-time </a:t>
+              <a:t>Lack of </a:t>
             </a:r>
             <a:r>
-              <a:rPr lang="en-US" altLang="zh-CN" sz="2800" dirty="0" smtClean="0">
+              <a:rPr lang="en-US" altLang="zh-CN" sz="3200" dirty="0" smtClean="0">
+                <a:latin typeface="+mj-lt"/>
+              </a:rPr>
+              <a:t>real-time </a:t>
+            </a:r>
+            <a:r>
+              <a:rPr lang="en-US" altLang="zh-CN" sz="3200" dirty="0" smtClean="0">
                 <a:latin typeface="+mj-lt"/>
               </a:rPr>
               <a:t>application</a:t>
@@ -4512,12 +4020,12 @@
               <a:buChar char="•"/>
             </a:pPr>
             <a:r>
-              <a:rPr lang="en-US" altLang="zh-CN" sz="2800" dirty="0" smtClean="0">
+              <a:rPr lang="en-US" altLang="zh-CN" sz="3200" dirty="0" smtClean="0">
                 <a:latin typeface="+mj-lt"/>
               </a:rPr>
               <a:t>Many system are domain-specific</a:t>
             </a:r>
-            <a:endParaRPr lang="en-US" altLang="zh-CN" sz="2800" dirty="0">
+            <a:endParaRPr lang="en-US" altLang="zh-CN" sz="3200" dirty="0">
               <a:latin typeface="+mj-lt"/>
             </a:endParaRPr>
           </a:p>
@@ -4531,7 +4039,7 @@
         </p:nvGrpSpPr>
         <p:grpSpPr>
           <a:xfrm>
-            <a:off x="21640800" y="23617413"/>
+            <a:off x="22021800" y="23905707"/>
             <a:ext cx="9692640" cy="1393640"/>
             <a:chOff x="11507868" y="14730712"/>
             <a:chExt cx="9692640" cy="1393640"/>
@@ -4720,20 +4228,14 @@
               <a:r>
                 <a:rPr lang="en-US" sz="4400" b="1" dirty="0" smtClean="0">
                   <a:solidFill>
-                    <a:schemeClr val="accent3">
-                      <a:lumMod val="20000"/>
-                      <a:lumOff val="80000"/>
-                    </a:schemeClr>
+                    <a:schemeClr val="bg1"/>
                   </a:solidFill>
                 </a:rPr>
                 <a:t>Future Work</a:t>
               </a:r>
               <a:endParaRPr lang="en-US" sz="4400" b="1" dirty="0">
                 <a:solidFill>
-                  <a:schemeClr val="accent3">
-                    <a:lumMod val="20000"/>
-                    <a:lumOff val="80000"/>
-                  </a:schemeClr>
+                  <a:schemeClr val="bg1"/>
                 </a:solidFill>
               </a:endParaRPr>
             </a:p>
@@ -4762,7 +4264,7 @@
         </p:blipFill>
         <p:spPr>
           <a:xfrm>
-            <a:off x="3200400" y="13944600"/>
+            <a:off x="2971800" y="6553200"/>
             <a:ext cx="5774190" cy="2124000"/>
           </a:xfrm>
           <a:prstGeom prst="rect">
@@ -4772,358 +4274,312 @@
       </p:pic>
       <p:grpSp>
         <p:nvGrpSpPr>
-          <p:cNvPr id="31" name="组合 30"/>
+          <p:cNvPr id="19" name="Group 18"/>
           <p:cNvGrpSpPr/>
           <p:nvPr/>
         </p:nvGrpSpPr>
         <p:grpSpPr>
           <a:xfrm>
-            <a:off x="3200400" y="15836448"/>
-            <a:ext cx="5796810" cy="1232352"/>
-            <a:chOff x="304800" y="14630400"/>
-            <a:chExt cx="15172879" cy="3225625"/>
+            <a:off x="3042390" y="8458200"/>
+            <a:ext cx="5796810" cy="2124000"/>
+            <a:chOff x="3200400" y="8910022"/>
+            <a:chExt cx="5796810" cy="2124000"/>
           </a:xfrm>
         </p:grpSpPr>
-        <p:sp>
-          <p:nvSpPr>
-            <p:cNvPr id="38" name="矩形 37"/>
-            <p:cNvSpPr/>
+        <p:grpSp>
+          <p:nvGrpSpPr>
+            <p:cNvPr id="31" name="组合 30"/>
+            <p:cNvGrpSpPr/>
             <p:nvPr/>
-          </p:nvSpPr>
+          </p:nvGrpSpPr>
+          <p:grpSpPr>
+            <a:xfrm>
+              <a:off x="3200400" y="9355846"/>
+              <a:ext cx="5796810" cy="1232352"/>
+              <a:chOff x="304800" y="14630400"/>
+              <a:chExt cx="15172879" cy="3225625"/>
+            </a:xfrm>
+          </p:grpSpPr>
+          <p:sp>
+            <p:nvSpPr>
+              <p:cNvPr id="38" name="矩形 37"/>
+              <p:cNvSpPr/>
+              <p:nvPr/>
+            </p:nvSpPr>
+            <p:spPr>
+              <a:xfrm>
+                <a:off x="304800" y="14630400"/>
+                <a:ext cx="1990279" cy="3225625"/>
+              </a:xfrm>
+              <a:prstGeom prst="rect">
+                <a:avLst/>
+              </a:prstGeom>
+              <a:solidFill>
+                <a:schemeClr val="accent2">
+                  <a:lumMod val="40000"/>
+                  <a:lumOff val="60000"/>
+                  <a:alpha val="30000"/>
+                </a:schemeClr>
+              </a:solidFill>
+              <a:ln>
+                <a:noFill/>
+              </a:ln>
+            </p:spPr>
+            <p:style>
+              <a:lnRef idx="2">
+                <a:schemeClr val="accent1">
+                  <a:shade val="50000"/>
+                </a:schemeClr>
+              </a:lnRef>
+              <a:fillRef idx="1">
+                <a:schemeClr val="accent1"/>
+              </a:fillRef>
+              <a:effectRef idx="0">
+                <a:schemeClr val="accent1"/>
+              </a:effectRef>
+              <a:fontRef idx="minor">
+                <a:schemeClr val="lt1"/>
+              </a:fontRef>
+            </p:style>
+            <p:txBody>
+              <a:bodyPr rtlCol="0" anchor="ctr"/>
+              <a:lstStyle/>
+              <a:p>
+                <a:pPr algn="ctr"/>
+                <a:endParaRPr lang="zh-CN" altLang="en-US"/>
+              </a:p>
+            </p:txBody>
+          </p:sp>
+          <p:sp>
+            <p:nvSpPr>
+              <p:cNvPr id="39" name="矩形 38"/>
+              <p:cNvSpPr/>
+              <p:nvPr/>
+            </p:nvSpPr>
+            <p:spPr>
+              <a:xfrm>
+                <a:off x="2353121" y="14630400"/>
+                <a:ext cx="3285679" cy="3225625"/>
+              </a:xfrm>
+              <a:prstGeom prst="rect">
+                <a:avLst/>
+              </a:prstGeom>
+              <a:solidFill>
+                <a:schemeClr val="accent1">
+                  <a:lumMod val="60000"/>
+                  <a:lumOff val="40000"/>
+                  <a:alpha val="30000"/>
+                </a:schemeClr>
+              </a:solidFill>
+              <a:ln>
+                <a:noFill/>
+              </a:ln>
+            </p:spPr>
+            <p:style>
+              <a:lnRef idx="2">
+                <a:schemeClr val="accent1">
+                  <a:shade val="50000"/>
+                </a:schemeClr>
+              </a:lnRef>
+              <a:fillRef idx="1">
+                <a:schemeClr val="accent1"/>
+              </a:fillRef>
+              <a:effectRef idx="0">
+                <a:schemeClr val="accent1"/>
+              </a:effectRef>
+              <a:fontRef idx="minor">
+                <a:schemeClr val="lt1"/>
+              </a:fontRef>
+            </p:style>
+            <p:txBody>
+              <a:bodyPr rtlCol="0" anchor="ctr"/>
+              <a:lstStyle/>
+              <a:p>
+                <a:pPr algn="ctr"/>
+                <a:endParaRPr lang="zh-CN" altLang="en-US"/>
+              </a:p>
+            </p:txBody>
+          </p:sp>
+          <p:sp>
+            <p:nvSpPr>
+              <p:cNvPr id="40" name="矩形 39"/>
+              <p:cNvSpPr/>
+              <p:nvPr/>
+            </p:nvSpPr>
+            <p:spPr>
+              <a:xfrm>
+                <a:off x="5705921" y="14630400"/>
+                <a:ext cx="2447479" cy="3225625"/>
+              </a:xfrm>
+              <a:prstGeom prst="rect">
+                <a:avLst/>
+              </a:prstGeom>
+              <a:solidFill>
+                <a:schemeClr val="accent2">
+                  <a:lumMod val="40000"/>
+                  <a:lumOff val="60000"/>
+                  <a:alpha val="30000"/>
+                </a:schemeClr>
+              </a:solidFill>
+              <a:ln>
+                <a:noFill/>
+              </a:ln>
+            </p:spPr>
+            <p:style>
+              <a:lnRef idx="2">
+                <a:schemeClr val="accent1">
+                  <a:shade val="50000"/>
+                </a:schemeClr>
+              </a:lnRef>
+              <a:fillRef idx="1">
+                <a:schemeClr val="accent1"/>
+              </a:fillRef>
+              <a:effectRef idx="0">
+                <a:schemeClr val="accent1"/>
+              </a:effectRef>
+              <a:fontRef idx="minor">
+                <a:schemeClr val="lt1"/>
+              </a:fontRef>
+            </p:style>
+            <p:txBody>
+              <a:bodyPr rtlCol="0" anchor="ctr"/>
+              <a:lstStyle/>
+              <a:p>
+                <a:pPr algn="ctr"/>
+                <a:endParaRPr lang="zh-CN" altLang="en-US"/>
+              </a:p>
+            </p:txBody>
+          </p:sp>
+          <p:sp>
+            <p:nvSpPr>
+              <p:cNvPr id="41" name="矩形 40"/>
+              <p:cNvSpPr/>
+              <p:nvPr/>
+            </p:nvSpPr>
+            <p:spPr>
+              <a:xfrm>
+                <a:off x="8220521" y="14630400"/>
+                <a:ext cx="4504879" cy="3225625"/>
+              </a:xfrm>
+              <a:prstGeom prst="rect">
+                <a:avLst/>
+              </a:prstGeom>
+              <a:solidFill>
+                <a:srgbClr val="92D050">
+                  <a:alpha val="30000"/>
+                </a:srgbClr>
+              </a:solidFill>
+              <a:ln>
+                <a:noFill/>
+              </a:ln>
+            </p:spPr>
+            <p:style>
+              <a:lnRef idx="2">
+                <a:schemeClr val="accent1">
+                  <a:shade val="50000"/>
+                </a:schemeClr>
+              </a:lnRef>
+              <a:fillRef idx="1">
+                <a:schemeClr val="accent1"/>
+              </a:fillRef>
+              <a:effectRef idx="0">
+                <a:schemeClr val="accent1"/>
+              </a:effectRef>
+              <a:fontRef idx="minor">
+                <a:schemeClr val="lt1"/>
+              </a:fontRef>
+            </p:style>
+            <p:txBody>
+              <a:bodyPr rtlCol="0" anchor="ctr"/>
+              <a:lstStyle/>
+              <a:p>
+                <a:pPr algn="ctr"/>
+                <a:endParaRPr lang="zh-CN" altLang="en-US"/>
+              </a:p>
+            </p:txBody>
+          </p:sp>
+          <p:sp>
+            <p:nvSpPr>
+              <p:cNvPr id="42" name="矩形 41"/>
+              <p:cNvSpPr/>
+              <p:nvPr/>
+            </p:nvSpPr>
+            <p:spPr>
+              <a:xfrm>
+                <a:off x="12792521" y="14630400"/>
+                <a:ext cx="2685158" cy="3225625"/>
+              </a:xfrm>
+              <a:prstGeom prst="rect">
+                <a:avLst/>
+              </a:prstGeom>
+              <a:solidFill>
+                <a:schemeClr val="tx2">
+                  <a:lumMod val="40000"/>
+                  <a:lumOff val="60000"/>
+                  <a:alpha val="30000"/>
+                </a:schemeClr>
+              </a:solidFill>
+              <a:ln>
+                <a:noFill/>
+              </a:ln>
+            </p:spPr>
+            <p:style>
+              <a:lnRef idx="2">
+                <a:schemeClr val="accent1">
+                  <a:shade val="50000"/>
+                </a:schemeClr>
+              </a:lnRef>
+              <a:fillRef idx="1">
+                <a:schemeClr val="accent1"/>
+              </a:fillRef>
+              <a:effectRef idx="0">
+                <a:schemeClr val="accent1"/>
+              </a:effectRef>
+              <a:fontRef idx="minor">
+                <a:schemeClr val="lt1"/>
+              </a:fontRef>
+            </p:style>
+            <p:txBody>
+              <a:bodyPr rtlCol="0" anchor="ctr"/>
+              <a:lstStyle/>
+              <a:p>
+                <a:pPr algn="ctr"/>
+                <a:endParaRPr lang="zh-CN" altLang="en-US"/>
+              </a:p>
+            </p:txBody>
+          </p:sp>
+        </p:grpSp>
+        <p:pic>
+          <p:nvPicPr>
+            <p:cNvPr id="43" name="图片 42"/>
+            <p:cNvPicPr>
+              <a:picLocks noChangeAspect="1"/>
+            </p:cNvPicPr>
+            <p:nvPr/>
+          </p:nvPicPr>
+          <p:blipFill>
+            <a:blip r:embed="rId2">
+              <a:extLst>
+                <a:ext uri="{28A0092B-C50C-407E-A947-70E740481C1C}">
+                  <a14:useLocalDpi xmlns:a14="http://schemas.microsoft.com/office/drawing/2010/main" val="0"/>
+                </a:ext>
+              </a:extLst>
+            </a:blip>
+            <a:stretch>
+              <a:fillRect/>
+            </a:stretch>
+          </p:blipFill>
           <p:spPr>
             <a:xfrm>
-              <a:off x="304800" y="14630400"/>
-              <a:ext cx="1990279" cy="3225625"/>
+              <a:off x="3217410" y="8910022"/>
+              <a:ext cx="5774190" cy="2124000"/>
             </a:xfrm>
             <a:prstGeom prst="rect">
               <a:avLst/>
             </a:prstGeom>
-            <a:solidFill>
-              <a:schemeClr val="accent2">
-                <a:lumMod val="60000"/>
-                <a:lumOff val="40000"/>
-                <a:alpha val="30000"/>
-              </a:schemeClr>
-            </a:solidFill>
-            <a:ln>
-              <a:noFill/>
-            </a:ln>
           </p:spPr>
-          <p:style>
-            <a:lnRef idx="2">
-              <a:schemeClr val="accent1">
-                <a:shade val="50000"/>
-              </a:schemeClr>
-            </a:lnRef>
-            <a:fillRef idx="1">
-              <a:schemeClr val="accent1"/>
-            </a:fillRef>
-            <a:effectRef idx="0">
-              <a:schemeClr val="accent1"/>
-            </a:effectRef>
-            <a:fontRef idx="minor">
-              <a:schemeClr val="lt1"/>
-            </a:fontRef>
-          </p:style>
-          <p:txBody>
-            <a:bodyPr rtlCol="0" anchor="ctr"/>
-            <a:lstStyle/>
-            <a:p>
-              <a:pPr algn="ctr"/>
-              <a:endParaRPr lang="zh-CN" altLang="en-US"/>
-            </a:p>
-          </p:txBody>
-        </p:sp>
-        <p:sp>
-          <p:nvSpPr>
-            <p:cNvPr id="39" name="矩形 38"/>
-            <p:cNvSpPr/>
-            <p:nvPr/>
-          </p:nvSpPr>
-          <p:spPr>
-            <a:xfrm>
-              <a:off x="2353121" y="14630400"/>
-              <a:ext cx="3285679" cy="3225625"/>
-            </a:xfrm>
-            <a:prstGeom prst="rect">
-              <a:avLst/>
-            </a:prstGeom>
-            <a:solidFill>
-              <a:schemeClr val="accent1">
-                <a:lumMod val="60000"/>
-                <a:lumOff val="40000"/>
-                <a:alpha val="30000"/>
-              </a:schemeClr>
-            </a:solidFill>
-            <a:ln>
-              <a:noFill/>
-            </a:ln>
-          </p:spPr>
-          <p:style>
-            <a:lnRef idx="2">
-              <a:schemeClr val="accent1">
-                <a:shade val="50000"/>
-              </a:schemeClr>
-            </a:lnRef>
-            <a:fillRef idx="1">
-              <a:schemeClr val="accent1"/>
-            </a:fillRef>
-            <a:effectRef idx="0">
-              <a:schemeClr val="accent1"/>
-            </a:effectRef>
-            <a:fontRef idx="minor">
-              <a:schemeClr val="lt1"/>
-            </a:fontRef>
-          </p:style>
-          <p:txBody>
-            <a:bodyPr rtlCol="0" anchor="ctr"/>
-            <a:lstStyle/>
-            <a:p>
-              <a:pPr algn="ctr"/>
-              <a:endParaRPr lang="zh-CN" altLang="en-US"/>
-            </a:p>
-          </p:txBody>
-        </p:sp>
-        <p:sp>
-          <p:nvSpPr>
-            <p:cNvPr id="40" name="矩形 39"/>
-            <p:cNvSpPr/>
-            <p:nvPr/>
-          </p:nvSpPr>
-          <p:spPr>
-            <a:xfrm>
-              <a:off x="5705921" y="14630400"/>
-              <a:ext cx="2447479" cy="3225625"/>
-            </a:xfrm>
-            <a:prstGeom prst="rect">
-              <a:avLst/>
-            </a:prstGeom>
-            <a:solidFill>
-              <a:schemeClr val="accent2">
-                <a:lumMod val="60000"/>
-                <a:lumOff val="40000"/>
-                <a:alpha val="30000"/>
-              </a:schemeClr>
-            </a:solidFill>
-            <a:ln>
-              <a:noFill/>
-            </a:ln>
-          </p:spPr>
-          <p:style>
-            <a:lnRef idx="2">
-              <a:schemeClr val="accent1">
-                <a:shade val="50000"/>
-              </a:schemeClr>
-            </a:lnRef>
-            <a:fillRef idx="1">
-              <a:schemeClr val="accent1"/>
-            </a:fillRef>
-            <a:effectRef idx="0">
-              <a:schemeClr val="accent1"/>
-            </a:effectRef>
-            <a:fontRef idx="minor">
-              <a:schemeClr val="lt1"/>
-            </a:fontRef>
-          </p:style>
-          <p:txBody>
-            <a:bodyPr rtlCol="0" anchor="ctr"/>
-            <a:lstStyle/>
-            <a:p>
-              <a:pPr algn="ctr"/>
-              <a:endParaRPr lang="zh-CN" altLang="en-US"/>
-            </a:p>
-          </p:txBody>
-        </p:sp>
-        <p:sp>
-          <p:nvSpPr>
-            <p:cNvPr id="41" name="矩形 40"/>
-            <p:cNvSpPr/>
-            <p:nvPr/>
-          </p:nvSpPr>
-          <p:spPr>
-            <a:xfrm>
-              <a:off x="8220521" y="14630400"/>
-              <a:ext cx="4504879" cy="3225625"/>
-            </a:xfrm>
-            <a:prstGeom prst="rect">
-              <a:avLst/>
-            </a:prstGeom>
-            <a:solidFill>
-              <a:schemeClr val="accent3">
-                <a:lumMod val="75000"/>
-                <a:alpha val="30000"/>
-              </a:schemeClr>
-            </a:solidFill>
-            <a:ln>
-              <a:noFill/>
-            </a:ln>
-          </p:spPr>
-          <p:style>
-            <a:lnRef idx="2">
-              <a:schemeClr val="accent1">
-                <a:shade val="50000"/>
-              </a:schemeClr>
-            </a:lnRef>
-            <a:fillRef idx="1">
-              <a:schemeClr val="accent1"/>
-            </a:fillRef>
-            <a:effectRef idx="0">
-              <a:schemeClr val="accent1"/>
-            </a:effectRef>
-            <a:fontRef idx="minor">
-              <a:schemeClr val="lt1"/>
-            </a:fontRef>
-          </p:style>
-          <p:txBody>
-            <a:bodyPr rtlCol="0" anchor="ctr"/>
-            <a:lstStyle/>
-            <a:p>
-              <a:pPr algn="ctr"/>
-              <a:endParaRPr lang="zh-CN" altLang="en-US"/>
-            </a:p>
-          </p:txBody>
-        </p:sp>
-        <p:sp>
-          <p:nvSpPr>
-            <p:cNvPr id="42" name="矩形 41"/>
-            <p:cNvSpPr/>
-            <p:nvPr/>
-          </p:nvSpPr>
-          <p:spPr>
-            <a:xfrm>
-              <a:off x="12792521" y="14630400"/>
-              <a:ext cx="2685158" cy="3225625"/>
-            </a:xfrm>
-            <a:prstGeom prst="rect">
-              <a:avLst/>
-            </a:prstGeom>
-            <a:solidFill>
-              <a:schemeClr val="tx2">
-                <a:lumMod val="40000"/>
-                <a:lumOff val="60000"/>
-                <a:alpha val="30000"/>
-              </a:schemeClr>
-            </a:solidFill>
-            <a:ln>
-              <a:noFill/>
-            </a:ln>
-          </p:spPr>
-          <p:style>
-            <a:lnRef idx="2">
-              <a:schemeClr val="accent1">
-                <a:shade val="50000"/>
-              </a:schemeClr>
-            </a:lnRef>
-            <a:fillRef idx="1">
-              <a:schemeClr val="accent1"/>
-            </a:fillRef>
-            <a:effectRef idx="0">
-              <a:schemeClr val="accent1"/>
-            </a:effectRef>
-            <a:fontRef idx="minor">
-              <a:schemeClr val="lt1"/>
-            </a:fontRef>
-          </p:style>
-          <p:txBody>
-            <a:bodyPr rtlCol="0" anchor="ctr"/>
-            <a:lstStyle/>
-            <a:p>
-              <a:pPr algn="ctr"/>
-              <a:endParaRPr lang="zh-CN" altLang="en-US"/>
-            </a:p>
-          </p:txBody>
-        </p:sp>
+        </p:pic>
       </p:grpSp>
-      <p:pic>
-        <p:nvPicPr>
-          <p:cNvPr id="43" name="图片 42"/>
-          <p:cNvPicPr>
-            <a:picLocks noChangeAspect="1"/>
-          </p:cNvPicPr>
-          <p:nvPr/>
-        </p:nvPicPr>
-        <p:blipFill>
-          <a:blip r:embed="rId2">
-            <a:extLst>
-              <a:ext uri="{28A0092B-C50C-407E-A947-70E740481C1C}">
-                <a14:useLocalDpi xmlns:a14="http://schemas.microsoft.com/office/drawing/2010/main" val="0"/>
-              </a:ext>
-            </a:extLst>
-          </a:blip>
-          <a:stretch>
-            <a:fillRect/>
-          </a:stretch>
-        </p:blipFill>
-        <p:spPr>
-          <a:xfrm>
-            <a:off x="3200400" y="15316200"/>
-            <a:ext cx="5774190" cy="2124000"/>
-          </a:xfrm>
-          <a:prstGeom prst="rect">
-            <a:avLst/>
-          </a:prstGeom>
-        </p:spPr>
-      </p:pic>
-      <p:sp>
-        <p:nvSpPr>
-          <p:cNvPr id="44" name="TextBox 43"/>
-          <p:cNvSpPr txBox="1"/>
-          <p:nvPr/>
-        </p:nvSpPr>
-        <p:spPr>
-          <a:xfrm>
-            <a:off x="5188746" y="30531166"/>
-            <a:ext cx="5611709" cy="1815882"/>
-          </a:xfrm>
-          <a:prstGeom prst="rect">
-            <a:avLst/>
-          </a:prstGeom>
-          <a:noFill/>
-        </p:spPr>
-        <p:txBody>
-          <a:bodyPr wrap="square" rtlCol="0">
-            <a:spAutoFit/>
-          </a:bodyPr>
-          <a:lstStyle/>
-          <a:p>
-            <a:r>
-              <a:rPr lang="en-US" sz="2800" dirty="0" smtClean="0"/>
-              <a:t>Binary key speaker modelling:</a:t>
-            </a:r>
-          </a:p>
-          <a:p>
-            <a:pPr marL="457200" indent="-457200">
-              <a:buFont typeface="Arial" panose="020B0604020202020204" pitchFamily="34" charset="0"/>
-              <a:buChar char="•"/>
-            </a:pPr>
-            <a:r>
-              <a:rPr lang="en-US" sz="2800" dirty="0" smtClean="0"/>
-              <a:t>Faster than real-time</a:t>
-            </a:r>
-          </a:p>
-          <a:p>
-            <a:pPr marL="457200" indent="-457200">
-              <a:buFont typeface="Arial" panose="020B0604020202020204" pitchFamily="34" charset="0"/>
-              <a:buChar char="•"/>
-            </a:pPr>
-            <a:r>
-              <a:rPr lang="en-US" sz="2800" dirty="0" smtClean="0"/>
-              <a:t>Without external training data</a:t>
-            </a:r>
-          </a:p>
-          <a:p>
-            <a:pPr marL="457200" indent="-457200">
-              <a:buFont typeface="Arial" panose="020B0604020202020204" pitchFamily="34" charset="0"/>
-              <a:buChar char="•"/>
-            </a:pPr>
-            <a:r>
-              <a:rPr lang="en-US" sz="2800" dirty="0" smtClean="0"/>
-              <a:t>Domain-robust</a:t>
-            </a:r>
-            <a:endParaRPr lang="en-US" sz="2800" dirty="0"/>
-          </a:p>
-        </p:txBody>
-      </p:sp>
       <p:pic>
         <p:nvPicPr>
           <p:cNvPr id="109" name="Picture 108"/>
@@ -5146,7 +4602,7 @@
         </p:blipFill>
         <p:spPr>
           <a:xfrm>
-            <a:off x="25285604" y="1136904"/>
+            <a:off x="25361804" y="1136904"/>
             <a:ext cx="6870796" cy="2224248"/>
           </a:xfrm>
           <a:prstGeom prst="rect">
@@ -5157,16 +4613,13 @@
       <p:cxnSp>
         <p:nvCxnSpPr>
           <p:cNvPr id="144" name="Straight Arrow Connector 143"/>
-          <p:cNvCxnSpPr>
-            <a:stCxn id="110" idx="0"/>
-            <a:endCxn id="116" idx="2"/>
-          </p:cNvCxnSpPr>
+          <p:cNvCxnSpPr/>
           <p:nvPr/>
         </p:nvCxnSpPr>
         <p:spPr>
           <a:xfrm flipV="1">
-            <a:off x="29138425" y="7313936"/>
-            <a:ext cx="1267" cy="429105"/>
+            <a:off x="29138425" y="7162800"/>
+            <a:ext cx="1267" cy="271458"/>
           </a:xfrm>
           <a:prstGeom prst="straightConnector1">
             <a:avLst/>
@@ -5198,10 +4651,10 @@
         </p:nvGrpSpPr>
         <p:grpSpPr>
           <a:xfrm>
-            <a:off x="18205730" y="6026766"/>
-            <a:ext cx="13272357" cy="3551850"/>
+            <a:off x="18205730" y="5985172"/>
+            <a:ext cx="13272357" cy="3844628"/>
             <a:chOff x="18305519" y="6209120"/>
-            <a:chExt cx="13272357" cy="3551850"/>
+            <a:chExt cx="13272357" cy="3844628"/>
           </a:xfrm>
         </p:grpSpPr>
         <p:grpSp>
@@ -5213,9 +4666,9 @@
           <p:grpSpPr>
             <a:xfrm>
               <a:off x="18305519" y="6223593"/>
-              <a:ext cx="13100573" cy="3352599"/>
+              <a:ext cx="13146203" cy="3730725"/>
               <a:chOff x="18370027" y="6299198"/>
-              <a:chExt cx="13100573" cy="3352599"/>
+              <a:chExt cx="13146203" cy="3730725"/>
             </a:xfrm>
           </p:grpSpPr>
           <p:grpSp>
@@ -5757,11 +5210,7 @@
                   <a:p>
                     <a:r>
                       <a:rPr lang="en-US" altLang="zh-CN" sz="2400" dirty="0" smtClean="0"/>
-                      <a:t>Acoustic features (MFCCs</a:t>
-                    </a:r>
-                    <a:r>
-                      <a:rPr lang="en-US" altLang="zh-CN" sz="2400" dirty="0" smtClean="0"/>
-                      <a:t>)</a:t>
+                      <a:t>Acoustic features (MFCCs)</a:t>
                     </a:r>
                   </a:p>
                   <a:p>
@@ -6356,10 +5805,10 @@
             </p:nvGrpSpPr>
             <p:grpSpPr>
               <a:xfrm>
-                <a:off x="24525443" y="8001000"/>
-                <a:ext cx="6945157" cy="1650797"/>
-                <a:chOff x="24525443" y="8001000"/>
-                <a:chExt cx="6945157" cy="1650797"/>
+                <a:off x="24525443" y="7767153"/>
+                <a:ext cx="6990787" cy="2262770"/>
+                <a:chOff x="24525443" y="7767153"/>
+                <a:chExt cx="6990787" cy="2262770"/>
               </a:xfrm>
             </p:grpSpPr>
             <p:grpSp>
@@ -6370,10 +5819,10 @@
               </p:nvGrpSpPr>
               <p:grpSpPr>
                 <a:xfrm>
-                  <a:off x="24525443" y="8673057"/>
-                  <a:ext cx="6945157" cy="978740"/>
-                  <a:chOff x="24525443" y="8568286"/>
-                  <a:chExt cx="6945157" cy="978740"/>
+                  <a:off x="24525443" y="8520322"/>
+                  <a:ext cx="6990787" cy="1509601"/>
+                  <a:chOff x="24525443" y="8415551"/>
+                  <a:chExt cx="6990787" cy="1509601"/>
                 </a:xfrm>
               </p:grpSpPr>
               <p:sp>
@@ -6384,8 +5833,8 @@
                 </p:nvSpPr>
                 <p:spPr>
                   <a:xfrm>
-                    <a:off x="24913855" y="8573057"/>
-                    <a:ext cx="1936246" cy="973968"/>
+                    <a:off x="24929297" y="8455871"/>
+                    <a:ext cx="2057990" cy="1444657"/>
                   </a:xfrm>
                   <a:prstGeom prst="rect">
                     <a:avLst/>
@@ -6414,7 +5863,7 @@
                   <a:p>
                     <a:pPr algn="ctr"/>
                     <a:r>
-                      <a:rPr lang="en-US" sz="2200" dirty="0" smtClean="0">
+                      <a:rPr lang="en-US" sz="2400" dirty="0" smtClean="0">
                         <a:solidFill>
                           <a:schemeClr val="tx1"/>
                         </a:solidFill>
@@ -6422,7 +5871,7 @@
                       <a:t>Select 1</a:t>
                     </a:r>
                     <a:r>
-                      <a:rPr lang="en-US" sz="2200" baseline="30000" dirty="0" smtClean="0">
+                      <a:rPr lang="en-US" sz="2400" baseline="30000" dirty="0" smtClean="0">
                         <a:solidFill>
                           <a:schemeClr val="tx1"/>
                         </a:solidFill>
@@ -6430,14 +5879,14 @@
                       <a:t>st</a:t>
                     </a:r>
                     <a:r>
-                      <a:rPr lang="en-US" sz="2200" dirty="0" smtClean="0">
+                      <a:rPr lang="en-US" sz="2400" dirty="0" smtClean="0">
                         <a:solidFill>
                           <a:schemeClr val="tx1"/>
                         </a:solidFill>
                       </a:rPr>
                       <a:t> Gaussian with max likelihood</a:t>
                     </a:r>
-                    <a:endParaRPr lang="en-US" sz="2200" dirty="0">
+                    <a:endParaRPr lang="en-US" sz="2400" dirty="0">
                       <a:solidFill>
                         <a:schemeClr val="tx1"/>
                       </a:solidFill>
@@ -6453,8 +5902,8 @@
                 </p:nvSpPr>
                 <p:spPr>
                   <a:xfrm>
-                    <a:off x="27093590" y="8573058"/>
-                    <a:ext cx="2096016" cy="973968"/>
+                    <a:off x="27291497" y="8446945"/>
+                    <a:ext cx="1908803" cy="1478207"/>
                   </a:xfrm>
                   <a:prstGeom prst="rect">
                     <a:avLst/>
@@ -6483,7 +5932,7 @@
                   <a:p>
                     <a:pPr algn="ctr"/>
                     <a:r>
-                      <a:rPr lang="en-US" sz="2200" dirty="0" smtClean="0">
+                      <a:rPr lang="en-US" sz="2400" dirty="0" smtClean="0">
                         <a:solidFill>
                           <a:schemeClr val="tx1"/>
                         </a:solidFill>
@@ -6491,7 +5940,7 @@
                       <a:t>Calculate   cosine </a:t>
                     </a:r>
                     <a:r>
-                      <a:rPr lang="en-US" sz="2200" dirty="0" err="1" smtClean="0">
+                      <a:rPr lang="en-US" sz="2400" dirty="0" err="1" smtClean="0">
                         <a:solidFill>
                           <a:schemeClr val="tx1"/>
                         </a:solidFill>
@@ -6499,14 +5948,14 @@
                       <a:t>Dist</a:t>
                     </a:r>
                     <a:r>
-                      <a:rPr lang="en-US" sz="2200" dirty="0" smtClean="0">
+                      <a:rPr lang="en-US" sz="2400" dirty="0" smtClean="0">
                         <a:solidFill>
                           <a:schemeClr val="tx1"/>
                         </a:solidFill>
                       </a:rPr>
                       <a:t> with other Gaussians</a:t>
                     </a:r>
-                    <a:endParaRPr lang="en-US" sz="2200" dirty="0">
+                    <a:endParaRPr lang="en-US" sz="2400" dirty="0">
                       <a:solidFill>
                         <a:schemeClr val="tx1"/>
                       </a:solidFill>
@@ -6522,8 +5971,8 @@
                 </p:nvSpPr>
                 <p:spPr>
                   <a:xfrm>
-                    <a:off x="29371542" y="8568286"/>
-                    <a:ext cx="2099058" cy="973968"/>
+                    <a:off x="29577497" y="8415551"/>
+                    <a:ext cx="1938733" cy="1509601"/>
                   </a:xfrm>
                   <a:prstGeom prst="rect">
                     <a:avLst/>
@@ -6552,14 +6001,14 @@
                   <a:p>
                     <a:pPr algn="ctr"/>
                     <a:r>
-                      <a:rPr lang="en-US" sz="2200" dirty="0" smtClean="0">
+                      <a:rPr lang="en-US" sz="2400" dirty="0" smtClean="0">
                         <a:solidFill>
                           <a:schemeClr val="tx1"/>
                         </a:solidFill>
                       </a:rPr>
                       <a:t>Select Gaussian with biggest cosine distance</a:t>
                     </a:r>
-                    <a:endParaRPr lang="en-US" sz="2200" dirty="0">
+                    <a:endParaRPr lang="en-US" sz="2400" dirty="0">
                       <a:solidFill>
                         <a:schemeClr val="tx1"/>
                       </a:solidFill>
@@ -6578,12 +6027,12 @@
                 </p:nvCxnSpPr>
                 <p:spPr>
                   <a:xfrm rot="16200000" flipH="1" flipV="1">
-                    <a:off x="29278949" y="7430935"/>
-                    <a:ext cx="4772" cy="2279473"/>
+                    <a:off x="29380685" y="7280765"/>
+                    <a:ext cx="31394" cy="2300965"/>
                   </a:xfrm>
                   <a:prstGeom prst="bentConnector3">
                     <a:avLst>
-                      <a:gd name="adj1" fmla="val -4790444"/>
+                      <a:gd name="adj1" fmla="val -728165"/>
                     </a:avLst>
                   </a:prstGeom>
                   <a:ln w="22225">
@@ -6616,8 +6065,8 @@
                 </p:nvCxnSpPr>
                 <p:spPr>
                   <a:xfrm>
-                    <a:off x="26850101" y="9060041"/>
-                    <a:ext cx="243489" cy="1"/>
+                    <a:off x="26987287" y="9178200"/>
+                    <a:ext cx="304210" cy="7849"/>
                   </a:xfrm>
                   <a:prstGeom prst="straightConnector1">
                     <a:avLst/>
@@ -6652,8 +6101,8 @@
                 </p:nvCxnSpPr>
                 <p:spPr>
                   <a:xfrm flipV="1">
-                    <a:off x="29189606" y="9055270"/>
-                    <a:ext cx="181936" cy="4772"/>
+                    <a:off x="29200300" y="9170352"/>
+                    <a:ext cx="377197" cy="15697"/>
                   </a:xfrm>
                   <a:prstGeom prst="straightConnector1">
                     <a:avLst/>
@@ -6687,9 +6136,9 @@
                   <p:nvPr/>
                 </p:nvCxnSpPr>
                 <p:spPr>
-                  <a:xfrm flipV="1">
-                    <a:off x="24525443" y="9060041"/>
-                    <a:ext cx="388412" cy="1"/>
+                  <a:xfrm>
+                    <a:off x="24525443" y="9060042"/>
+                    <a:ext cx="403854" cy="118158"/>
                   </a:xfrm>
                   <a:prstGeom prst="straightConnector1">
                     <a:avLst/>
@@ -6722,7 +6171,7 @@
               </p:nvSpPr>
               <p:spPr>
                 <a:xfrm>
-                  <a:off x="27260562" y="8001000"/>
+                  <a:off x="27260562" y="7767153"/>
                   <a:ext cx="4084320" cy="461665"/>
                 </a:xfrm>
                 <a:prstGeom prst="rect">
@@ -6915,7 +6364,7 @@
           <p:spPr>
             <a:xfrm>
               <a:off x="18443907" y="6209120"/>
-              <a:ext cx="13133969" cy="3551850"/>
+              <a:ext cx="13133969" cy="3844628"/>
             </a:xfrm>
             <a:prstGeom prst="rect">
               <a:avLst/>
@@ -6993,9 +6442,9 @@
         <p:grpSpPr>
           <a:xfrm>
             <a:off x="18302024" y="10384323"/>
-            <a:ext cx="13133969" cy="5783829"/>
+            <a:ext cx="13336438" cy="6047178"/>
             <a:chOff x="18368300" y="9760970"/>
-            <a:chExt cx="13133969" cy="5783829"/>
+            <a:chExt cx="13336438" cy="6047178"/>
           </a:xfrm>
         </p:grpSpPr>
         <p:grpSp>
@@ -7007,9 +6456,9 @@
           <p:grpSpPr>
             <a:xfrm>
               <a:off x="18545047" y="9760970"/>
-              <a:ext cx="12516544" cy="5562487"/>
+              <a:ext cx="12001229" cy="6047178"/>
               <a:chOff x="18545047" y="9760970"/>
-              <a:chExt cx="12516544" cy="5562487"/>
+              <a:chExt cx="12001229" cy="6047178"/>
             </a:xfrm>
           </p:grpSpPr>
           <p:grpSp>
@@ -7021,9 +6470,9 @@
             <p:grpSpPr>
               <a:xfrm>
                 <a:off x="18545047" y="9996661"/>
-                <a:ext cx="12516544" cy="5326796"/>
+                <a:ext cx="12001229" cy="5811487"/>
                 <a:chOff x="18737855" y="9601200"/>
-                <a:chExt cx="12516544" cy="5326796"/>
+                <a:chExt cx="12001229" cy="5811487"/>
               </a:xfrm>
             </p:grpSpPr>
             <p:sp>
@@ -7155,9 +6604,9 @@
               <p:grpSpPr>
                 <a:xfrm>
                   <a:off x="18737855" y="9601200"/>
-                  <a:ext cx="12516544" cy="5326796"/>
+                  <a:ext cx="12001229" cy="5811487"/>
                   <a:chOff x="18737855" y="9601200"/>
-                  <a:chExt cx="12516544" cy="5326796"/>
+                  <a:chExt cx="12001229" cy="5811487"/>
                 </a:xfrm>
               </p:grpSpPr>
               <p:grpSp>
@@ -9234,7 +8683,7 @@
                 </p:nvSpPr>
                 <p:spPr>
                   <a:xfrm>
-                    <a:off x="26939962" y="9663328"/>
+                    <a:off x="26939962" y="9656389"/>
                     <a:ext cx="1877339" cy="830997"/>
                   </a:xfrm>
                   <a:prstGeom prst="rect">
@@ -9824,7 +9273,7 @@
                 </p:nvSpPr>
                 <p:spPr>
                   <a:xfrm>
-                    <a:off x="29286523" y="9677400"/>
+                    <a:off x="29317007" y="9656389"/>
                     <a:ext cx="1422077" cy="830997"/>
                   </a:xfrm>
                   <a:prstGeom prst="rect">
@@ -9898,8 +9347,8 @@
                 </p:nvSpPr>
                 <p:spPr>
                   <a:xfrm>
-                    <a:off x="26939962" y="14397024"/>
-                    <a:ext cx="4314437" cy="461665"/>
+                    <a:off x="27543680" y="14397024"/>
+                    <a:ext cx="3195404" cy="1015663"/>
                   </a:xfrm>
                   <a:prstGeom prst="rect">
                     <a:avLst/>
@@ -9913,10 +9362,10 @@
                   <a:lstStyle/>
                   <a:p>
                     <a:r>
-                      <a:rPr lang="en-US" altLang="zh-CN" sz="2400" b="1" dirty="0" smtClean="0"/>
+                      <a:rPr lang="en-US" altLang="zh-CN" sz="3000" b="1" dirty="0" smtClean="0"/>
                       <a:t>Segment/cluster representation</a:t>
                     </a:r>
-                    <a:endParaRPr lang="en-US" sz="2400" b="1" dirty="0"/>
+                    <a:endParaRPr lang="en-US" sz="3000" b="1" dirty="0"/>
                   </a:p>
                 </p:txBody>
               </p:sp>
@@ -9962,7 +9411,7 @@
           <p:spPr>
             <a:xfrm>
               <a:off x="18368300" y="9763062"/>
-              <a:ext cx="13133969" cy="5781737"/>
+              <a:ext cx="13336438" cy="6045086"/>
             </a:xfrm>
             <a:prstGeom prst="rect">
               <a:avLst/>
@@ -10003,8 +9452,8 @@
         </p:nvSpPr>
         <p:spPr>
           <a:xfrm>
-            <a:off x="12400988" y="9790614"/>
-            <a:ext cx="5334000" cy="523220"/>
+            <a:off x="13010118" y="9548229"/>
+            <a:ext cx="5334000" cy="646331"/>
           </a:xfrm>
           <a:prstGeom prst="rect">
             <a:avLst/>
@@ -10018,16 +9467,16 @@
           <a:lstStyle/>
           <a:p>
             <a:r>
-              <a:rPr lang="en-US" sz="2800" b="1" i="1" dirty="0" smtClean="0">
+              <a:rPr lang="en-US" sz="3600" b="1" i="1" dirty="0" smtClean="0">
                 <a:solidFill>
                   <a:schemeClr val="tx2">
                     <a:lumMod val="75000"/>
                   </a:schemeClr>
                 </a:solidFill>
               </a:rPr>
-              <a:t>System flow chart</a:t>
+              <a:t>System flowchart</a:t>
             </a:r>
-            <a:endParaRPr lang="en-US" sz="2800" b="1" i="1" dirty="0">
+            <a:endParaRPr lang="en-US" sz="3600" b="1" i="1" dirty="0">
               <a:solidFill>
                 <a:schemeClr val="tx2">
                   <a:lumMod val="75000"/>
@@ -10047,8 +9496,8 @@
         </p:nvCxnSpPr>
         <p:spPr>
           <a:xfrm>
-            <a:off x="14108087" y="6650475"/>
-            <a:ext cx="0" cy="439769"/>
+            <a:off x="14108087" y="6792295"/>
+            <a:ext cx="0" cy="297949"/>
           </a:xfrm>
           <a:prstGeom prst="straightConnector1">
             <a:avLst/>
@@ -10084,9 +9533,9 @@
         <p:grpSpPr>
           <a:xfrm>
             <a:off x="11798297" y="6048363"/>
-            <a:ext cx="6199932" cy="2515037"/>
+            <a:ext cx="6244061" cy="3107425"/>
             <a:chOff x="11798297" y="6048363"/>
-            <a:chExt cx="6199932" cy="2515037"/>
+            <a:chExt cx="6244061" cy="2515037"/>
           </a:xfrm>
         </p:grpSpPr>
         <p:grpSp>
@@ -10097,10 +9546,10 @@
           </p:nvGrpSpPr>
           <p:grpSpPr>
             <a:xfrm>
-              <a:off x="11811000" y="6177914"/>
-              <a:ext cx="6187229" cy="1831610"/>
-              <a:chOff x="11564623" y="6041239"/>
-              <a:chExt cx="6187229" cy="1831610"/>
+              <a:off x="11811000" y="6139948"/>
+              <a:ext cx="6231358" cy="1905250"/>
+              <a:chOff x="11564623" y="6003273"/>
+              <a:chExt cx="6231358" cy="1905250"/>
             </a:xfrm>
           </p:grpSpPr>
           <p:pic>
@@ -10140,8 +9589,8 @@
             </p:nvSpPr>
             <p:spPr>
               <a:xfrm>
-                <a:off x="11564623" y="6076890"/>
-                <a:ext cx="1447800" cy="400110"/>
+                <a:off x="11807162" y="6003273"/>
+                <a:ext cx="1447800" cy="830997"/>
               </a:xfrm>
               <a:prstGeom prst="rect">
                 <a:avLst/>
@@ -10155,10 +9604,10 @@
               <a:lstStyle/>
               <a:p>
                 <a:r>
-                  <a:rPr lang="en-US" sz="2000" dirty="0" smtClean="0"/>
+                  <a:rPr lang="en-US" sz="2400" dirty="0" smtClean="0"/>
                   <a:t>Input audio</a:t>
                 </a:r>
-                <a:endParaRPr lang="en-US" sz="2000" dirty="0"/>
+                <a:endParaRPr lang="en-US" sz="2400" dirty="0"/>
               </a:p>
             </p:txBody>
           </p:sp>
@@ -10170,8 +9619,8 @@
             </p:nvSpPr>
             <p:spPr>
               <a:xfrm>
-                <a:off x="11736810" y="6857186"/>
-                <a:ext cx="1245417" cy="1015663"/>
+                <a:off x="11564623" y="6937020"/>
+                <a:ext cx="1735861" cy="971503"/>
               </a:xfrm>
               <a:prstGeom prst="rect">
                 <a:avLst/>
@@ -10185,16 +9634,16 @@
               <a:lstStyle/>
               <a:p>
                 <a:r>
-                  <a:rPr lang="en-US" sz="2000" dirty="0" smtClean="0"/>
+                  <a:rPr lang="en-US" sz="2400" dirty="0" smtClean="0"/>
                   <a:t>MFCCs</a:t>
                 </a:r>
               </a:p>
               <a:p>
                 <a:r>
-                  <a:rPr lang="en-US" sz="2000" dirty="0" smtClean="0"/>
+                  <a:rPr lang="en-US" sz="2400" dirty="0" smtClean="0"/>
                   <a:t>(Acoustic features)</a:t>
                 </a:r>
-                <a:endParaRPr lang="en-US" sz="2000" dirty="0"/>
+                <a:endParaRPr lang="en-US" sz="2400" dirty="0"/>
               </a:p>
             </p:txBody>
           </p:sp>
@@ -10554,8 +10003,8 @@
             </p:nvSpPr>
             <p:spPr>
               <a:xfrm>
-                <a:off x="15414214" y="6071720"/>
-                <a:ext cx="2337638" cy="400110"/>
+                <a:off x="15500238" y="6073591"/>
+                <a:ext cx="2243993" cy="373655"/>
               </a:xfrm>
               <a:prstGeom prst="rect">
                 <a:avLst/>
@@ -10569,18 +10018,18 @@
               <a:lstStyle/>
               <a:p>
                 <a:r>
-                  <a:rPr lang="en-US" sz="2000" dirty="0" smtClean="0"/>
+                  <a:rPr lang="en-US" sz="2400" dirty="0" smtClean="0"/>
                   <a:t>VAD (</a:t>
                 </a:r>
                 <a:r>
-                  <a:rPr lang="en-US" sz="2000" dirty="0" err="1" smtClean="0"/>
+                  <a:rPr lang="en-US" sz="2400" dirty="0" err="1" smtClean="0"/>
                   <a:t>WebRTC</a:t>
                 </a:r>
                 <a:r>
-                  <a:rPr lang="en-US" sz="2000" dirty="0" smtClean="0"/>
-                  <a:t> VAD)</a:t>
+                  <a:rPr lang="en-US" sz="2400" dirty="0" smtClean="0"/>
+                  <a:t>)</a:t>
                 </a:r>
-                <a:endParaRPr lang="en-US" sz="2000" dirty="0"/>
+                <a:endParaRPr lang="en-US" sz="2400" dirty="0"/>
               </a:p>
             </p:txBody>
           </p:sp>
@@ -10588,14 +10037,15 @@
             <p:nvCxnSpPr>
               <p:cNvPr id="303" name="Straight Arrow Connector 302"/>
               <p:cNvCxnSpPr>
+                <a:stCxn id="273" idx="3"/>
                 <a:endCxn id="300" idx="1"/>
               </p:cNvCxnSpPr>
               <p:nvPr/>
             </p:nvCxnSpPr>
             <p:spPr>
               <a:xfrm flipV="1">
-                <a:off x="14765023" y="6271775"/>
-                <a:ext cx="649191" cy="5745"/>
+                <a:off x="14688823" y="6260419"/>
+                <a:ext cx="811415" cy="17100"/>
               </a:xfrm>
               <a:prstGeom prst="straightConnector1">
                 <a:avLst/>
@@ -10666,8 +10116,8 @@
             </p:nvSpPr>
             <p:spPr>
               <a:xfrm>
-                <a:off x="15406594" y="6913827"/>
-                <a:ext cx="2337638" cy="400110"/>
+                <a:off x="15458343" y="7070541"/>
+                <a:ext cx="2337638" cy="373655"/>
               </a:xfrm>
               <a:prstGeom prst="rect">
                 <a:avLst/>
@@ -10681,7 +10131,7 @@
               <a:lstStyle/>
               <a:p>
                 <a:r>
-                  <a:rPr lang="en-US" sz="2000" dirty="0" smtClean="0"/>
+                  <a:rPr lang="en-US" sz="2400" dirty="0" smtClean="0"/>
                   <a:t>VAD-mask</a:t>
                 </a:r>
                 <a:endParaRPr lang="en-US" sz="2000" dirty="0"/>
@@ -10744,7 +10194,7 @@
         </p:nvGrpSpPr>
         <p:grpSpPr>
           <a:xfrm>
-            <a:off x="1672947" y="23902073"/>
+            <a:off x="1467814" y="18821400"/>
             <a:ext cx="9047786" cy="2555827"/>
             <a:chOff x="1672947" y="23902073"/>
             <a:chExt cx="9047786" cy="2555827"/>
@@ -11367,8 +10817,8 @@
         </p:blipFill>
         <p:spPr>
           <a:xfrm>
-            <a:off x="11582400" y="19255740"/>
-            <a:ext cx="10058400" cy="4061460"/>
+            <a:off x="11887200" y="19278600"/>
+            <a:ext cx="10058400" cy="3886200"/>
           </a:xfrm>
           <a:prstGeom prst="rect">
             <a:avLst/>
@@ -11383,10 +10833,10 @@
         </p:nvGrpSpPr>
         <p:grpSpPr>
           <a:xfrm>
-            <a:off x="12011894" y="8110900"/>
-            <a:ext cx="7598374" cy="11853500"/>
-            <a:chOff x="12011894" y="8110900"/>
-            <a:chExt cx="7598374" cy="11853500"/>
+            <a:off x="11983188" y="8709964"/>
+            <a:ext cx="7627080" cy="11621422"/>
+            <a:chOff x="11983188" y="8709964"/>
+            <a:chExt cx="7627080" cy="11621422"/>
           </a:xfrm>
         </p:grpSpPr>
         <p:grpSp>
@@ -11397,10 +10847,10 @@
           </p:nvGrpSpPr>
           <p:grpSpPr>
             <a:xfrm>
-              <a:off x="12011894" y="8110900"/>
-              <a:ext cx="7598374" cy="7543059"/>
-              <a:chOff x="12011894" y="8110900"/>
-              <a:chExt cx="7598374" cy="7543059"/>
+              <a:off x="11983188" y="8709964"/>
+              <a:ext cx="7627080" cy="7504497"/>
+              <a:chOff x="11983188" y="8709964"/>
+              <a:chExt cx="7627080" cy="7504497"/>
             </a:xfrm>
           </p:grpSpPr>
           <p:pic>
@@ -11424,8 +10874,8 @@
             </p:blipFill>
             <p:spPr>
               <a:xfrm>
-                <a:off x="12601404" y="10470196"/>
-                <a:ext cx="1419396" cy="405477"/>
+                <a:off x="12197175" y="10386415"/>
+                <a:ext cx="2196404" cy="627444"/>
               </a:xfrm>
               <a:prstGeom prst="rect">
                 <a:avLst/>
@@ -11440,8 +10890,8 @@
             </p:nvSpPr>
             <p:spPr>
               <a:xfrm>
-                <a:off x="12011894" y="11368261"/>
-                <a:ext cx="2565851" cy="1126861"/>
+                <a:off x="11983188" y="11368261"/>
+                <a:ext cx="2911266" cy="1440933"/>
               </a:xfrm>
               <a:prstGeom prst="rect">
                 <a:avLst/>
@@ -11475,20 +10925,16 @@
               <a:p>
                 <a:pPr algn="ctr"/>
                 <a:r>
-                  <a:rPr lang="en-US" sz="2400" b="1" dirty="0" smtClean="0">
+                  <a:rPr lang="en-US" sz="2800" b="1" dirty="0" smtClean="0">
                     <a:solidFill>
-                      <a:schemeClr val="tx2">
-                        <a:lumMod val="75000"/>
-                      </a:schemeClr>
+                      <a:schemeClr val="tx1"/>
                     </a:solidFill>
                   </a:rPr>
                   <a:t>Voice Activity Detection,  Feature extraction</a:t>
                 </a:r>
-                <a:endParaRPr lang="en-US" sz="2400" b="1" dirty="0">
+                <a:endParaRPr lang="en-US" sz="2800" b="1" dirty="0">
                   <a:solidFill>
-                    <a:schemeClr val="tx2">
-                      <a:lumMod val="75000"/>
-                    </a:schemeClr>
+                    <a:schemeClr val="tx1"/>
                   </a:solidFill>
                 </a:endParaRPr>
               </a:p>
@@ -11502,7 +10948,65 @@
             </p:nvSpPr>
             <p:spPr>
               <a:xfrm>
-                <a:off x="15276126" y="11387945"/>
+                <a:off x="15493040" y="11402808"/>
+                <a:ext cx="2109160" cy="1371838"/>
+              </a:xfrm>
+              <a:prstGeom prst="rect">
+                <a:avLst/>
+              </a:prstGeom>
+              <a:noFill/>
+              <a:ln>
+                <a:solidFill>
+                  <a:schemeClr val="tx1"/>
+                </a:solidFill>
+              </a:ln>
+            </p:spPr>
+            <p:style>
+              <a:lnRef idx="2">
+                <a:schemeClr val="accent1">
+                  <a:shade val="50000"/>
+                </a:schemeClr>
+              </a:lnRef>
+              <a:fillRef idx="1">
+                <a:schemeClr val="accent1"/>
+              </a:fillRef>
+              <a:effectRef idx="0">
+                <a:schemeClr val="accent1"/>
+              </a:effectRef>
+              <a:fontRef idx="minor">
+                <a:schemeClr val="lt1"/>
+              </a:fontRef>
+            </p:style>
+            <p:txBody>
+              <a:bodyPr rtlCol="0" anchor="ctr"/>
+              <a:lstStyle/>
+              <a:p>
+                <a:pPr algn="ctr"/>
+                <a:r>
+                  <a:rPr lang="en-US" sz="2800" b="1" dirty="0" smtClean="0">
+                    <a:solidFill>
+                      <a:schemeClr val="tx1"/>
+                    </a:solidFill>
+                  </a:rPr>
+                  <a:t>KBM Training</a:t>
+                </a:r>
+                <a:endParaRPr lang="en-US" sz="2800" b="1" dirty="0">
+                  <a:solidFill>
+                    <a:schemeClr val="tx1"/>
+                  </a:solidFill>
+                </a:endParaRPr>
+              </a:p>
+            </p:txBody>
+          </p:sp>
+          <p:sp>
+            <p:nvSpPr>
+              <p:cNvPr id="247" name="Rectangle 246"/>
+              <p:cNvSpPr/>
+              <p:nvPr/>
+            </p:nvSpPr>
+            <p:spPr>
+              <a:xfrm>
+                <a:off x="13755041" y="13445373"/>
                 <a:ext cx="2049423" cy="1126861"/>
               </a:xfrm>
               <a:prstGeom prst="rect">
@@ -11537,82 +11041,16 @@
               <a:p>
                 <a:pPr algn="ctr"/>
                 <a:r>
-                  <a:rPr lang="en-US" sz="2400" b="1" dirty="0" smtClean="0">
+                  <a:rPr lang="en-US" sz="2800" b="1" dirty="0" smtClean="0">
                     <a:solidFill>
-                      <a:schemeClr val="tx2">
-                        <a:lumMod val="75000"/>
-                      </a:schemeClr>
-                    </a:solidFill>
-                  </a:rPr>
-                  <a:t>KBM Training</a:t>
-                </a:r>
-                <a:endParaRPr lang="en-US" sz="2400" b="1" dirty="0">
-                  <a:solidFill>
-                    <a:schemeClr val="tx2">
-                      <a:lumMod val="75000"/>
-                    </a:schemeClr>
-                  </a:solidFill>
-                </a:endParaRPr>
-              </a:p>
-            </p:txBody>
-          </p:sp>
-          <p:sp>
-            <p:nvSpPr>
-              <p:cNvPr id="247" name="Rectangle 246"/>
-              <p:cNvSpPr/>
-              <p:nvPr/>
-            </p:nvSpPr>
-            <p:spPr>
-              <a:xfrm>
-                <a:off x="13809341" y="12970355"/>
-                <a:ext cx="2049423" cy="1126861"/>
-              </a:xfrm>
-              <a:prstGeom prst="rect">
-                <a:avLst/>
-              </a:prstGeom>
-              <a:noFill/>
-              <a:ln>
-                <a:solidFill>
-                  <a:schemeClr val="tx1"/>
-                </a:solidFill>
-              </a:ln>
-            </p:spPr>
-            <p:style>
-              <a:lnRef idx="2">
-                <a:schemeClr val="accent1">
-                  <a:shade val="50000"/>
-                </a:schemeClr>
-              </a:lnRef>
-              <a:fillRef idx="1">
-                <a:schemeClr val="accent1"/>
-              </a:fillRef>
-              <a:effectRef idx="0">
-                <a:schemeClr val="accent1"/>
-              </a:effectRef>
-              <a:fontRef idx="minor">
-                <a:schemeClr val="lt1"/>
-              </a:fontRef>
-            </p:style>
-            <p:txBody>
-              <a:bodyPr rtlCol="0" anchor="ctr"/>
-              <a:lstStyle/>
-              <a:p>
-                <a:pPr algn="ctr"/>
-                <a:r>
-                  <a:rPr lang="en-US" sz="2400" b="1" dirty="0" smtClean="0">
-                    <a:solidFill>
-                      <a:schemeClr val="tx2">
-                        <a:lumMod val="75000"/>
-                      </a:schemeClr>
+                      <a:schemeClr val="tx1"/>
                     </a:solidFill>
                   </a:rPr>
                   <a:t>Feature Binarization</a:t>
                 </a:r>
-                <a:endParaRPr lang="en-US" sz="2400" b="1" dirty="0">
+                <a:endParaRPr lang="en-US" sz="2800" b="1" dirty="0">
                   <a:solidFill>
-                    <a:schemeClr val="tx2">
-                      <a:lumMod val="75000"/>
-                    </a:schemeClr>
+                    <a:schemeClr val="tx1"/>
                   </a:solidFill>
                 </a:endParaRPr>
               </a:p>
@@ -11626,8 +11064,8 @@
             </p:nvCxnSpPr>
             <p:spPr>
               <a:xfrm flipV="1">
-                <a:off x="16180799" y="9171629"/>
-                <a:ext cx="2408972" cy="2412469"/>
+                <a:off x="17068800" y="9171631"/>
+                <a:ext cx="1520971" cy="2460261"/>
               </a:xfrm>
               <a:prstGeom prst="straightConnector1">
                 <a:avLst/>
@@ -11665,9 +11103,9 @@
               <p:nvPr/>
             </p:nvCxnSpPr>
             <p:spPr>
-              <a:xfrm>
-                <a:off x="14577745" y="11931692"/>
-                <a:ext cx="698381" cy="19684"/>
+              <a:xfrm flipV="1">
+                <a:off x="14894454" y="12088727"/>
+                <a:ext cx="598586" cy="1"/>
               </a:xfrm>
               <a:prstGeom prst="straightConnector1">
                 <a:avLst/>
@@ -11705,8 +11143,8 @@
             </p:nvCxnSpPr>
             <p:spPr>
               <a:xfrm>
-                <a:off x="13294820" y="12495122"/>
-                <a:ext cx="1539233" cy="475233"/>
+                <a:off x="13438821" y="12809194"/>
+                <a:ext cx="1340932" cy="636179"/>
               </a:xfrm>
               <a:prstGeom prst="straightConnector1">
                 <a:avLst/>
@@ -11737,14 +11175,15 @@
             <p:nvCxnSpPr>
               <p:cNvPr id="255" name="Straight Arrow Connector 254"/>
               <p:cNvCxnSpPr>
+                <a:stCxn id="246" idx="2"/>
                 <a:endCxn id="247" idx="0"/>
               </p:cNvCxnSpPr>
               <p:nvPr/>
             </p:nvCxnSpPr>
             <p:spPr>
               <a:xfrm flipH="1">
-                <a:off x="14834053" y="12509844"/>
-                <a:ext cx="1346746" cy="460511"/>
+                <a:off x="14779753" y="12774646"/>
+                <a:ext cx="1767867" cy="670727"/>
               </a:xfrm>
               <a:prstGeom prst="straightConnector1">
                 <a:avLst/>
@@ -11779,8 +11218,8 @@
             </p:nvCxnSpPr>
             <p:spPr>
               <a:xfrm>
-                <a:off x="15660592" y="13565935"/>
-                <a:ext cx="3949676" cy="1593190"/>
+                <a:off x="15660591" y="14008803"/>
+                <a:ext cx="3949677" cy="1150322"/>
               </a:xfrm>
               <a:prstGeom prst="straightConnector1">
                 <a:avLst/>
@@ -11818,9 +11257,9 @@
               <p:nvPr/>
             </p:nvCxnSpPr>
             <p:spPr>
-              <a:xfrm flipH="1">
-                <a:off x="13294820" y="10875673"/>
-                <a:ext cx="16282" cy="492588"/>
+              <a:xfrm>
+                <a:off x="13295377" y="11013859"/>
+                <a:ext cx="143444" cy="354402"/>
               </a:xfrm>
               <a:prstGeom prst="straightConnector1">
                 <a:avLst/>
@@ -11855,8 +11294,8 @@
             </p:nvCxnSpPr>
             <p:spPr>
               <a:xfrm flipV="1">
-                <a:off x="12192000" y="8110900"/>
-                <a:ext cx="201150" cy="3520991"/>
+                <a:off x="12192000" y="8709964"/>
+                <a:ext cx="201150" cy="2921928"/>
               </a:xfrm>
               <a:prstGeom prst="straightConnector1">
                 <a:avLst/>
@@ -11892,7 +11331,7 @@
             </p:nvSpPr>
             <p:spPr>
               <a:xfrm>
-                <a:off x="13809340" y="14527098"/>
+                <a:off x="13792200" y="15087600"/>
                 <a:ext cx="2049423" cy="1126861"/>
               </a:xfrm>
               <a:prstGeom prst="rect">
@@ -11927,20 +11366,16 @@
               <a:p>
                 <a:pPr algn="ctr"/>
                 <a:r>
-                  <a:rPr lang="en-US" sz="2400" b="1" dirty="0" smtClean="0">
+                  <a:rPr lang="en-US" sz="2800" b="1" dirty="0" smtClean="0">
                     <a:solidFill>
-                      <a:schemeClr val="tx2">
-                        <a:lumMod val="75000"/>
-                      </a:schemeClr>
+                      <a:schemeClr val="tx1"/>
                     </a:solidFill>
                   </a:rPr>
                   <a:t>Clustering</a:t>
                 </a:r>
-                <a:endParaRPr lang="en-US" sz="2400" b="1" dirty="0">
+                <a:endParaRPr lang="en-US" sz="2800" b="1" dirty="0">
                   <a:solidFill>
-                    <a:schemeClr val="tx2">
-                      <a:lumMod val="75000"/>
-                    </a:schemeClr>
+                    <a:schemeClr val="tx1"/>
                   </a:solidFill>
                 </a:endParaRPr>
               </a:p>
@@ -11956,9 +11391,9 @@
               <p:nvPr/>
             </p:nvCxnSpPr>
             <p:spPr>
-              <a:xfrm flipH="1">
-                <a:off x="14834052" y="14097216"/>
-                <a:ext cx="1" cy="429882"/>
+              <a:xfrm>
+                <a:off x="14779753" y="14572234"/>
+                <a:ext cx="37159" cy="515366"/>
               </a:xfrm>
               <a:prstGeom prst="straightConnector1">
                 <a:avLst/>
@@ -11997,8 +11432,8 @@
           </p:nvCxnSpPr>
           <p:spPr>
             <a:xfrm>
-              <a:off x="14834052" y="15653959"/>
-              <a:ext cx="16379" cy="533432"/>
+              <a:off x="14816912" y="16214461"/>
+              <a:ext cx="42089" cy="430130"/>
             </a:xfrm>
             <a:prstGeom prst="straightConnector1">
               <a:avLst/>
@@ -12033,7 +11468,65 @@
           </p:nvSpPr>
           <p:spPr>
             <a:xfrm>
-              <a:off x="13716000" y="16187391"/>
+              <a:off x="13487400" y="16644591"/>
+              <a:ext cx="2743202" cy="881409"/>
+            </a:xfrm>
+            <a:prstGeom prst="rect">
+              <a:avLst/>
+            </a:prstGeom>
+            <a:noFill/>
+            <a:ln>
+              <a:solidFill>
+                <a:schemeClr val="tx1"/>
+              </a:solidFill>
+            </a:ln>
+          </p:spPr>
+          <p:style>
+            <a:lnRef idx="2">
+              <a:schemeClr val="accent1">
+                <a:shade val="50000"/>
+              </a:schemeClr>
+            </a:lnRef>
+            <a:fillRef idx="1">
+              <a:schemeClr val="accent1"/>
+            </a:fillRef>
+            <a:effectRef idx="0">
+              <a:schemeClr val="accent1"/>
+            </a:effectRef>
+            <a:fontRef idx="minor">
+              <a:schemeClr val="lt1"/>
+            </a:fontRef>
+          </p:style>
+          <p:txBody>
+            <a:bodyPr rtlCol="0" anchor="ctr"/>
+            <a:lstStyle/>
+            <a:p>
+              <a:pPr algn="ctr"/>
+              <a:r>
+                <a:rPr lang="en-US" sz="2800" b="1" dirty="0" smtClean="0">
+                  <a:solidFill>
+                    <a:schemeClr val="tx1"/>
+                  </a:solidFill>
+                </a:rPr>
+                <a:t>Resegmentation</a:t>
+              </a:r>
+              <a:endParaRPr lang="en-US" sz="2800" b="1" dirty="0">
+                <a:solidFill>
+                  <a:schemeClr val="tx1"/>
+                </a:solidFill>
+              </a:endParaRPr>
+            </a:p>
+          </p:txBody>
+        </p:sp>
+        <p:sp>
+          <p:nvSpPr>
+            <p:cNvPr id="382" name="Rectangle 381"/>
+            <p:cNvSpPr/>
+            <p:nvPr/>
+          </p:nvSpPr>
+          <p:spPr>
+            <a:xfrm>
+              <a:off x="13719048" y="18074339"/>
               <a:ext cx="2268861" cy="881409"/>
             </a:xfrm>
             <a:prstGeom prst="rect">
@@ -12068,82 +11561,16 @@
             <a:p>
               <a:pPr algn="ctr"/>
               <a:r>
-                <a:rPr lang="en-US" sz="2400" b="1" dirty="0" smtClean="0">
+                <a:rPr lang="en-US" sz="2800" b="1" dirty="0" smtClean="0">
                   <a:solidFill>
-                    <a:schemeClr val="tx2">
-                      <a:lumMod val="75000"/>
-                    </a:schemeClr>
-                  </a:solidFill>
-                </a:rPr>
-                <a:t>Resegmentation</a:t>
-              </a:r>
-              <a:endParaRPr lang="en-US" sz="2400" b="1" dirty="0">
-                <a:solidFill>
-                  <a:schemeClr val="tx2">
-                    <a:lumMod val="75000"/>
-                  </a:schemeClr>
-                </a:solidFill>
-              </a:endParaRPr>
-            </a:p>
-          </p:txBody>
-        </p:sp>
-        <p:sp>
-          <p:nvSpPr>
-            <p:cNvPr id="382" name="Rectangle 381"/>
-            <p:cNvSpPr/>
-            <p:nvPr/>
-          </p:nvSpPr>
-          <p:spPr>
-            <a:xfrm>
-              <a:off x="13707810" y="17566582"/>
-              <a:ext cx="2268861" cy="881409"/>
-            </a:xfrm>
-            <a:prstGeom prst="rect">
-              <a:avLst/>
-            </a:prstGeom>
-            <a:noFill/>
-            <a:ln>
-              <a:solidFill>
-                <a:schemeClr val="tx1"/>
-              </a:solidFill>
-            </a:ln>
-          </p:spPr>
-          <p:style>
-            <a:lnRef idx="2">
-              <a:schemeClr val="accent1">
-                <a:shade val="50000"/>
-              </a:schemeClr>
-            </a:lnRef>
-            <a:fillRef idx="1">
-              <a:schemeClr val="accent1"/>
-            </a:fillRef>
-            <a:effectRef idx="0">
-              <a:schemeClr val="accent1"/>
-            </a:effectRef>
-            <a:fontRef idx="minor">
-              <a:schemeClr val="lt1"/>
-            </a:fontRef>
-          </p:style>
-          <p:txBody>
-            <a:bodyPr rtlCol="0" anchor="ctr"/>
-            <a:lstStyle/>
-            <a:p>
-              <a:pPr algn="ctr"/>
-              <a:r>
-                <a:rPr lang="en-US" sz="2400" b="1" dirty="0" smtClean="0">
-                  <a:solidFill>
-                    <a:schemeClr val="tx2">
-                      <a:lumMod val="75000"/>
-                    </a:schemeClr>
+                    <a:schemeClr val="tx1"/>
                   </a:solidFill>
                 </a:rPr>
                 <a:t>Visualization</a:t>
               </a:r>
               <a:endParaRPr lang="en-US" sz="2400" b="1" dirty="0">
                 <a:solidFill>
-                  <a:schemeClr val="tx2">
-                    <a:lumMod val="75000"/>
-                  </a:schemeClr>
+                  <a:schemeClr val="tx1"/>
                 </a:solidFill>
               </a:endParaRPr>
             </a:p>
@@ -12160,8 +11587,8 @@
           </p:nvCxnSpPr>
           <p:spPr>
             <a:xfrm flipH="1">
-              <a:off x="14842241" y="17068800"/>
-              <a:ext cx="8190" cy="497782"/>
+              <a:off x="14853479" y="17526000"/>
+              <a:ext cx="5522" cy="548339"/>
             </a:xfrm>
             <a:prstGeom prst="straightConnector1">
               <a:avLst/>
@@ -12196,7 +11623,7 @@
           </p:nvCxnSpPr>
           <p:spPr>
             <a:xfrm flipH="1">
-              <a:off x="12605895" y="18148057"/>
+              <a:off x="12528899" y="18515043"/>
               <a:ext cx="1278031" cy="1816343"/>
             </a:xfrm>
             <a:prstGeom prst="straightConnector1">
@@ -12236,8 +11663,8 @@
         </p:nvSpPr>
         <p:spPr bwMode="auto">
           <a:xfrm>
-            <a:off x="22278475" y="17085295"/>
-            <a:ext cx="8417290" cy="2862276"/>
+            <a:off x="22572696" y="17309888"/>
+            <a:ext cx="8417290" cy="5509154"/>
           </a:xfrm>
           <a:prstGeom prst="rect">
             <a:avLst/>
@@ -12359,53 +11786,567 @@
           <a:p>
             <a:pPr algn="just" eaLnBrk="1" hangingPunct="1"/>
             <a:r>
-              <a:rPr lang="en-US" sz="2800" b="1" dirty="0" smtClean="0">
+              <a:rPr lang="en-US" sz="3200" b="1" dirty="0">
                 <a:latin typeface="+mn-lt"/>
                 <a:cs typeface="Times New Roman" panose="02020603050405020304" pitchFamily="18" charset="0"/>
               </a:rPr>
-              <a:t>Speaker </a:t>
+              <a:t>Offline </a:t>
             </a:r>
             <a:r>
-              <a:rPr lang="en-US" sz="2800" b="1" dirty="0">
+              <a:rPr lang="en-US" sz="3200" b="1" dirty="0" smtClean="0">
                 <a:latin typeface="+mn-lt"/>
                 <a:cs typeface="Times New Roman" panose="02020603050405020304" pitchFamily="18" charset="0"/>
               </a:rPr>
-              <a:t>diarization </a:t>
+              <a:t>Clustering (Agglomerative clustering):</a:t>
             </a:r>
+            <a:endParaRPr lang="en-US" sz="3200" b="1" dirty="0" smtClean="0">
+              <a:latin typeface="+mn-lt"/>
+              <a:cs typeface="Times New Roman" panose="02020603050405020304" pitchFamily="18" charset="0"/>
+            </a:endParaRPr>
+          </a:p>
+          <a:p>
+            <a:pPr marL="514350" indent="-514350" algn="just" eaLnBrk="1" hangingPunct="1">
+              <a:buFont typeface="+mj-lt"/>
+              <a:buAutoNum type="arabicPeriod"/>
+            </a:pPr>
             <a:r>
-              <a:rPr lang="en-US" sz="2800" dirty="0">
+              <a:rPr lang="en-US" sz="3200" dirty="0" smtClean="0">
                 <a:latin typeface="+mn-lt"/>
                 <a:cs typeface="Times New Roman" panose="02020603050405020304" pitchFamily="18" charset="0"/>
               </a:rPr>
-              <a:t>has become more important in many speech processing tasks. Most state-of-the-art speaker diarization </a:t>
+              <a:t>The cluster initialization</a:t>
             </a:r>
+          </a:p>
+          <a:p>
+            <a:pPr marL="514350" indent="-514350" algn="just" eaLnBrk="1" hangingPunct="1">
+              <a:buFont typeface="+mj-lt"/>
+              <a:buAutoNum type="arabicPeriod"/>
+            </a:pPr>
             <a:r>
-              <a:rPr lang="en-US" sz="2800" dirty="0" smtClean="0">
+              <a:rPr lang="en-US" sz="3200" dirty="0" smtClean="0">
                 <a:latin typeface="+mn-lt"/>
                 <a:cs typeface="Times New Roman" panose="02020603050405020304" pitchFamily="18" charset="0"/>
               </a:rPr>
-              <a:t>system nowadays </a:t>
+              <a:t>Cluster  </a:t>
             </a:r>
+            <a:endParaRPr lang="en-US" sz="3200" dirty="0">
+              <a:latin typeface="+mn-lt"/>
+              <a:cs typeface="Times New Roman" panose="02020603050405020304" pitchFamily="18" charset="0"/>
+            </a:endParaRPr>
+          </a:p>
+          <a:p>
+            <a:pPr algn="just" eaLnBrk="1" hangingPunct="1"/>
+            <a:endParaRPr lang="en-US" sz="3200" b="1" dirty="0" smtClean="0">
+              <a:latin typeface="+mn-lt"/>
+              <a:cs typeface="Times New Roman" panose="02020603050405020304" pitchFamily="18" charset="0"/>
+            </a:endParaRPr>
+          </a:p>
+          <a:p>
+            <a:pPr algn="just" eaLnBrk="1" hangingPunct="1"/>
+            <a:endParaRPr lang="en-US" sz="3200" b="1" dirty="0" smtClean="0">
+              <a:latin typeface="+mn-lt"/>
+              <a:cs typeface="Times New Roman" panose="02020603050405020304" pitchFamily="18" charset="0"/>
+            </a:endParaRPr>
+          </a:p>
+          <a:p>
+            <a:pPr algn="just" eaLnBrk="1" hangingPunct="1"/>
+            <a:endParaRPr lang="en-US" sz="3200" b="1" dirty="0" smtClean="0">
+              <a:latin typeface="+mn-lt"/>
+              <a:cs typeface="Times New Roman" panose="02020603050405020304" pitchFamily="18" charset="0"/>
+            </a:endParaRPr>
+          </a:p>
+          <a:p>
+            <a:pPr algn="just" eaLnBrk="1" hangingPunct="1"/>
+            <a:endParaRPr lang="en-US" sz="3200" b="1" dirty="0">
+              <a:latin typeface="+mn-lt"/>
+              <a:cs typeface="Times New Roman" panose="02020603050405020304" pitchFamily="18" charset="0"/>
+            </a:endParaRPr>
+          </a:p>
+          <a:p>
+            <a:pPr algn="just" eaLnBrk="1" hangingPunct="1"/>
             <a:r>
-              <a:rPr lang="en-US" sz="2800" dirty="0">
+              <a:rPr lang="en-US" sz="3200" b="1" dirty="0" smtClean="0">
                 <a:latin typeface="+mn-lt"/>
                 <a:cs typeface="Times New Roman" panose="02020603050405020304" pitchFamily="18" charset="0"/>
               </a:rPr>
-              <a:t>decodes in an offline fashion and requires intensive computation and long processing time, which leads to the handicap for </a:t>
+              <a:t>Online Clustering:</a:t>
             </a:r>
-            <a:r>
-              <a:rPr lang="en-US" sz="2800" dirty="0" smtClean="0">
-                <a:latin typeface="+mn-lt"/>
-                <a:cs typeface="Times New Roman" panose="02020603050405020304" pitchFamily="18" charset="0"/>
-              </a:rPr>
-              <a:t>real-time</a:t>
-            </a:r>
+          </a:p>
+          <a:p>
+            <a:pPr algn="just" eaLnBrk="1" hangingPunct="1"/>
+            <a:endParaRPr lang="en-US" sz="2800" dirty="0" smtClean="0">
+              <a:latin typeface="+mn-lt"/>
+              <a:cs typeface="Times New Roman" panose="02020603050405020304" pitchFamily="18" charset="0"/>
+            </a:endParaRPr>
+          </a:p>
+          <a:p>
+            <a:pPr algn="just" eaLnBrk="1" hangingPunct="1"/>
+            <a:endParaRPr lang="en-US" sz="2800" dirty="0">
+              <a:latin typeface="+mn-lt"/>
+              <a:cs typeface="Times New Roman" panose="02020603050405020304" pitchFamily="18" charset="0"/>
+            </a:endParaRPr>
+          </a:p>
+          <a:p>
+            <a:pPr algn="just" eaLnBrk="1" hangingPunct="1"/>
             <a:endParaRPr lang="en-US" sz="2800" dirty="0">
               <a:latin typeface="+mn-lt"/>
             </a:endParaRPr>
           </a:p>
         </p:txBody>
       </p:sp>
+      <p:sp>
+        <p:nvSpPr>
+          <p:cNvPr id="7" name="Down Arrow 6"/>
+          <p:cNvSpPr/>
+          <p:nvPr/>
+        </p:nvSpPr>
+        <p:spPr>
+          <a:xfrm>
+            <a:off x="5626575" y="8153400"/>
+            <a:ext cx="356063" cy="520248"/>
+          </a:xfrm>
+          <a:prstGeom prst="downArrow">
+            <a:avLst/>
+          </a:prstGeom>
+          <a:noFill/>
+        </p:spPr>
+        <p:style>
+          <a:lnRef idx="2">
+            <a:schemeClr val="dk1">
+              <a:shade val="50000"/>
+            </a:schemeClr>
+          </a:lnRef>
+          <a:fillRef idx="1">
+            <a:schemeClr val="dk1"/>
+          </a:fillRef>
+          <a:effectRef idx="0">
+            <a:schemeClr val="dk1"/>
+          </a:effectRef>
+          <a:fontRef idx="minor">
+            <a:schemeClr val="lt1"/>
+          </a:fontRef>
+        </p:style>
+        <p:txBody>
+          <a:bodyPr rtlCol="0" anchor="ctr"/>
+          <a:lstStyle/>
+          <a:p>
+            <a:pPr algn="ctr"/>
+            <a:endParaRPr lang="en-US"/>
+          </a:p>
+        </p:txBody>
+      </p:sp>
+      <p:cxnSp>
+        <p:nvCxnSpPr>
+          <p:cNvPr id="211" name="Straight Arrow Connector 210"/>
+          <p:cNvCxnSpPr/>
+          <p:nvPr/>
+        </p:nvCxnSpPr>
+        <p:spPr>
+          <a:xfrm>
+            <a:off x="15612431" y="15415838"/>
+            <a:ext cx="6601831" cy="2384331"/>
+          </a:xfrm>
+          <a:prstGeom prst="straightConnector1">
+            <a:avLst/>
+          </a:prstGeom>
+          <a:ln w="38100">
+            <a:solidFill>
+              <a:schemeClr val="accent2"/>
+            </a:solidFill>
+            <a:headEnd type="oval" w="med" len="med"/>
+            <a:tailEnd type="triangle" w="lg" len="lg"/>
+          </a:ln>
+        </p:spPr>
+        <p:style>
+          <a:lnRef idx="1">
+            <a:schemeClr val="accent1"/>
+          </a:lnRef>
+          <a:fillRef idx="0">
+            <a:schemeClr val="accent1"/>
+          </a:fillRef>
+          <a:effectRef idx="0">
+            <a:schemeClr val="accent1"/>
+          </a:effectRef>
+          <a:fontRef idx="minor">
+            <a:schemeClr val="tx1"/>
+          </a:fontRef>
+        </p:style>
+      </p:cxnSp>
+      <p:grpSp>
+        <p:nvGrpSpPr>
+          <p:cNvPr id="213" name="Group 212"/>
+          <p:cNvGrpSpPr/>
+          <p:nvPr/>
+        </p:nvGrpSpPr>
+        <p:grpSpPr>
+          <a:xfrm>
+            <a:off x="1220276" y="25997143"/>
+            <a:ext cx="9767763" cy="5394735"/>
+            <a:chOff x="11507868" y="14730712"/>
+            <a:chExt cx="9692640" cy="5394735"/>
+          </a:xfrm>
+        </p:grpSpPr>
+        <p:sp>
+          <p:nvSpPr>
+            <p:cNvPr id="214" name="Text Box 194"/>
+            <p:cNvSpPr txBox="1">
+              <a:spLocks noChangeArrowheads="1"/>
+            </p:cNvSpPr>
+            <p:nvPr/>
+          </p:nvSpPr>
+          <p:spPr bwMode="auto">
+            <a:xfrm>
+              <a:off x="11507868" y="15416512"/>
+              <a:ext cx="9692640" cy="4708935"/>
+            </a:xfrm>
+            <a:prstGeom prst="rect">
+              <a:avLst/>
+            </a:prstGeom>
+            <a:solidFill>
+              <a:schemeClr val="bg1"/>
+            </a:solidFill>
+            <a:ln w="12700">
+              <a:solidFill>
+                <a:schemeClr val="accent1">
+                  <a:lumMod val="75000"/>
+                </a:schemeClr>
+              </a:solidFill>
+            </a:ln>
+            <a:effectLst/>
+          </p:spPr>
+          <p:txBody>
+            <a:bodyPr lIns="137137" tIns="137137" rIns="137137" bIns="137137">
+              <a:spAutoFit/>
+            </a:bodyPr>
+            <a:lstStyle>
+              <a:lvl1pPr eaLnBrk="0" hangingPunct="0">
+                <a:defRPr sz="2200">
+                  <a:solidFill>
+                    <a:schemeClr val="tx1"/>
+                  </a:solidFill>
+                  <a:latin typeface="Arial" charset="0"/>
+                </a:defRPr>
+              </a:lvl1pPr>
+              <a:lvl2pPr marL="742950" indent="-285750" eaLnBrk="0" hangingPunct="0">
+                <a:defRPr sz="2200">
+                  <a:solidFill>
+                    <a:schemeClr val="tx1"/>
+                  </a:solidFill>
+                  <a:latin typeface="Arial" charset="0"/>
+                </a:defRPr>
+              </a:lvl2pPr>
+              <a:lvl3pPr marL="1143000" indent="-228600" eaLnBrk="0" hangingPunct="0">
+                <a:defRPr sz="2200">
+                  <a:solidFill>
+                    <a:schemeClr val="tx1"/>
+                  </a:solidFill>
+                  <a:latin typeface="Arial" charset="0"/>
+                </a:defRPr>
+              </a:lvl3pPr>
+              <a:lvl4pPr marL="1600200" indent="-228600" eaLnBrk="0" hangingPunct="0">
+                <a:defRPr sz="2200">
+                  <a:solidFill>
+                    <a:schemeClr val="tx1"/>
+                  </a:solidFill>
+                  <a:latin typeface="Arial" charset="0"/>
+                </a:defRPr>
+              </a:lvl4pPr>
+              <a:lvl5pPr marL="2057400" indent="-228600" eaLnBrk="0" hangingPunct="0">
+                <a:defRPr sz="2200">
+                  <a:solidFill>
+                    <a:schemeClr val="tx1"/>
+                  </a:solidFill>
+                  <a:latin typeface="Arial" charset="0"/>
+                </a:defRPr>
+              </a:lvl5pPr>
+              <a:lvl6pPr marL="2514600" indent="-228600" eaLnBrk="0" fontAlgn="base" hangingPunct="0">
+                <a:spcBef>
+                  <a:spcPct val="0"/>
+                </a:spcBef>
+                <a:spcAft>
+                  <a:spcPct val="0"/>
+                </a:spcAft>
+                <a:defRPr sz="2200">
+                  <a:solidFill>
+                    <a:schemeClr val="tx1"/>
+                  </a:solidFill>
+                  <a:latin typeface="Arial" charset="0"/>
+                </a:defRPr>
+              </a:lvl6pPr>
+              <a:lvl7pPr marL="2971800" indent="-228600" eaLnBrk="0" fontAlgn="base" hangingPunct="0">
+                <a:spcBef>
+                  <a:spcPct val="0"/>
+                </a:spcBef>
+                <a:spcAft>
+                  <a:spcPct val="0"/>
+                </a:spcAft>
+                <a:defRPr sz="2200">
+                  <a:solidFill>
+                    <a:schemeClr val="tx1"/>
+                  </a:solidFill>
+                  <a:latin typeface="Arial" charset="0"/>
+                </a:defRPr>
+              </a:lvl7pPr>
+              <a:lvl8pPr marL="3429000" indent="-228600" eaLnBrk="0" fontAlgn="base" hangingPunct="0">
+                <a:spcBef>
+                  <a:spcPct val="0"/>
+                </a:spcBef>
+                <a:spcAft>
+                  <a:spcPct val="0"/>
+                </a:spcAft>
+                <a:defRPr sz="2200">
+                  <a:solidFill>
+                    <a:schemeClr val="tx1"/>
+                  </a:solidFill>
+                  <a:latin typeface="Arial" charset="0"/>
+                </a:defRPr>
+              </a:lvl8pPr>
+              <a:lvl9pPr marL="3886200" indent="-228600" eaLnBrk="0" fontAlgn="base" hangingPunct="0">
+                <a:spcBef>
+                  <a:spcPct val="0"/>
+                </a:spcBef>
+                <a:spcAft>
+                  <a:spcPct val="0"/>
+                </a:spcAft>
+                <a:defRPr sz="2200">
+                  <a:solidFill>
+                    <a:schemeClr val="tx1"/>
+                  </a:solidFill>
+                  <a:latin typeface="Arial" charset="0"/>
+                </a:defRPr>
+              </a:lvl9pPr>
+            </a:lstStyle>
+            <a:p>
+              <a:pPr eaLnBrk="1" hangingPunct="1"/>
+              <a:r>
+                <a:rPr lang="en-US" sz="3200" dirty="0" smtClean="0">
+                  <a:latin typeface="Calibri" pitchFamily="34" charset="0"/>
+                </a:rPr>
+                <a:t>In this project, we seek to develop a speaker recognizer system that </a:t>
+              </a:r>
+            </a:p>
+            <a:p>
+              <a:pPr marL="457200" indent="-457200" eaLnBrk="1" hangingPunct="1">
+                <a:buFont typeface="Arial" panose="020B0604020202020204" pitchFamily="34" charset="0"/>
+                <a:buChar char="•"/>
+              </a:pPr>
+              <a:r>
+                <a:rPr lang="en-US" sz="3200" dirty="0" smtClean="0">
+                  <a:latin typeface="Calibri" pitchFamily="34" charset="0"/>
+                </a:rPr>
+                <a:t>Language-independent, domain-robust,  do not need prior training, and  platform-independent</a:t>
+              </a:r>
+              <a:endParaRPr lang="en-US" sz="3200" dirty="0" smtClean="0">
+                <a:latin typeface="Calibri" pitchFamily="34" charset="0"/>
+              </a:endParaRPr>
+            </a:p>
+            <a:p>
+              <a:pPr marL="457200" indent="-457200" eaLnBrk="1" hangingPunct="1">
+                <a:buFont typeface="Arial" panose="020B0604020202020204" pitchFamily="34" charset="0"/>
+                <a:buChar char="•"/>
+              </a:pPr>
+              <a:r>
+                <a:rPr lang="en-US" sz="3200" dirty="0" smtClean="0">
+                  <a:latin typeface="Calibri" pitchFamily="34" charset="0"/>
+                </a:rPr>
+                <a:t>Be able to label the speakers in a recorded audio and visualize the results</a:t>
+              </a:r>
+            </a:p>
+            <a:p>
+              <a:pPr marL="457200" indent="-457200" eaLnBrk="1" hangingPunct="1">
+                <a:buFont typeface="Arial" panose="020B0604020202020204" pitchFamily="34" charset="0"/>
+                <a:buChar char="•"/>
+              </a:pPr>
+              <a:r>
+                <a:rPr lang="en-US" sz="3200" dirty="0" smtClean="0">
+                  <a:latin typeface="Calibri" pitchFamily="34" charset="0"/>
+                </a:rPr>
+                <a:t>Be able to generate outputs as the input is analyzed and correct the earlier output when necessary</a:t>
+              </a:r>
+            </a:p>
+            <a:p>
+              <a:pPr marL="457200" indent="-457200" eaLnBrk="1" hangingPunct="1">
+                <a:buFont typeface="Arial" panose="020B0604020202020204" pitchFamily="34" charset="0"/>
+                <a:buChar char="•"/>
+              </a:pPr>
+              <a:endParaRPr lang="en-US" sz="3200" dirty="0">
+                <a:latin typeface="Calibri" pitchFamily="34" charset="0"/>
+              </a:endParaRPr>
+            </a:p>
+          </p:txBody>
+        </p:sp>
+        <p:sp>
+          <p:nvSpPr>
+            <p:cNvPr id="216" name="Rectangle 215"/>
+            <p:cNvSpPr/>
+            <p:nvPr/>
+          </p:nvSpPr>
+          <p:spPr>
+            <a:xfrm>
+              <a:off x="11507868" y="14730712"/>
+              <a:ext cx="9692640" cy="685800"/>
+            </a:xfrm>
+            <a:prstGeom prst="rect">
+              <a:avLst/>
+            </a:prstGeom>
+            <a:solidFill>
+              <a:schemeClr val="accent1">
+                <a:lumMod val="75000"/>
+              </a:schemeClr>
+            </a:solidFill>
+            <a:ln w="12700"/>
+          </p:spPr>
+          <p:style>
+            <a:lnRef idx="2">
+              <a:schemeClr val="accent1">
+                <a:shade val="50000"/>
+              </a:schemeClr>
+            </a:lnRef>
+            <a:fillRef idx="1">
+              <a:schemeClr val="accent1"/>
+            </a:fillRef>
+            <a:effectRef idx="0">
+              <a:schemeClr val="accent1"/>
+            </a:effectRef>
+            <a:fontRef idx="minor">
+              <a:schemeClr val="lt1"/>
+            </a:fontRef>
+          </p:style>
+          <p:txBody>
+            <a:bodyPr lIns="68568" tIns="34284" rIns="68568" bIns="34284" rtlCol="0" anchor="ctr"/>
+            <a:lstStyle/>
+            <a:p>
+              <a:pPr algn="ctr"/>
+              <a:r>
+                <a:rPr lang="en-US" sz="4400" b="1" dirty="0" smtClean="0">
+                  <a:solidFill>
+                    <a:schemeClr val="bg1"/>
+                  </a:solidFill>
+                </a:rPr>
+                <a:t>Objectives</a:t>
+              </a:r>
+              <a:endParaRPr lang="en-US" sz="4400" b="1" dirty="0">
+                <a:solidFill>
+                  <a:schemeClr val="bg1"/>
+                </a:solidFill>
+              </a:endParaRPr>
+            </a:p>
+          </p:txBody>
+        </p:sp>
+      </p:grpSp>
+      <mc:AlternateContent xmlns:mc="http://schemas.openxmlformats.org/markup-compatibility/2006">
+        <mc:Choice xmlns:a14="http://schemas.microsoft.com/office/drawing/2010/main" Requires="a14">
+          <p:sp>
+            <p:nvSpPr>
+              <p:cNvPr id="397" name="TextBox 396"/>
+              <p:cNvSpPr txBox="1"/>
+              <p:nvPr/>
+            </p:nvSpPr>
+            <p:spPr>
+              <a:xfrm>
+                <a:off x="30099000" y="11976012"/>
+                <a:ext cx="1374037" cy="3416320"/>
+              </a:xfrm>
+              <a:prstGeom prst="rect">
+                <a:avLst/>
+              </a:prstGeom>
+              <a:noFill/>
+            </p:spPr>
+            <p:txBody>
+              <a:bodyPr wrap="square" rtlCol="0">
+                <a:spAutoFit/>
+              </a:bodyPr>
+              <a:lstStyle/>
+              <a:p>
+                <a14:m>
+                  <m:oMath xmlns:m="http://schemas.openxmlformats.org/officeDocument/2006/math">
+                    <m:sSub>
+                      <m:sSubPr>
+                        <m:ctrlPr>
+                          <a:rPr lang="en-US" altLang="zh-CN" sz="2400" i="1" smtClean="0">
+                            <a:latin typeface="Cambria Math"/>
+                          </a:rPr>
+                        </m:ctrlPr>
+                      </m:sSubPr>
+                      <m:e>
+                        <m:r>
+                          <a:rPr lang="en-US" altLang="zh-CN" sz="2400" b="0" i="1" smtClean="0">
+                            <a:latin typeface="Cambria Math"/>
+                          </a:rPr>
+                          <m:t>𝐵𝐾</m:t>
+                        </m:r>
+                      </m:e>
+                      <m:sub>
+                        <m:r>
+                          <a:rPr lang="en-US" altLang="zh-CN" sz="2400" b="0" i="1" smtClean="0">
+                            <a:latin typeface="Cambria Math"/>
+                          </a:rPr>
+                          <m:t>𝑖</m:t>
+                        </m:r>
+                      </m:sub>
+                    </m:sSub>
+                  </m:oMath>
+                </a14:m>
+                <a:r>
+                  <a:rPr lang="en-US" altLang="zh-CN" sz="2400" dirty="0" smtClean="0"/>
+                  <a:t> = 1 indicates the </a:t>
+                </a:r>
+                <a:r>
+                  <a:rPr lang="en-US" altLang="zh-CN" sz="2400" dirty="0" err="1" smtClean="0"/>
+                  <a:t>ith</a:t>
+                </a:r>
+                <a:r>
+                  <a:rPr lang="en-US" altLang="zh-CN" sz="2400" dirty="0" smtClean="0"/>
+                  <a:t> Gaussian </a:t>
+                </a:r>
+                <a:r>
+                  <a:rPr lang="en-US" altLang="zh-CN" sz="2400" dirty="0" smtClean="0"/>
+                  <a:t>coexist in the same region of acoustic space</a:t>
+                </a:r>
+                <a:endParaRPr lang="en-US" altLang="zh-CN" sz="2400" dirty="0" smtClean="0"/>
+              </a:p>
+            </p:txBody>
+          </p:sp>
+        </mc:Choice>
+        <mc:Fallback>
+          <p:sp>
+            <p:nvSpPr>
+              <p:cNvPr id="397" name="TextBox 396"/>
+              <p:cNvSpPr txBox="1">
+                <a:spLocks noRot="1" noChangeAspect="1" noMove="1" noResize="1" noEditPoints="1" noAdjustHandles="1" noChangeArrowheads="1" noChangeShapeType="1" noTextEdit="1"/>
+              </p:cNvSpPr>
+              <p:nvPr/>
+            </p:nvSpPr>
+            <p:spPr>
+              <a:xfrm>
+                <a:off x="30099000" y="11976012"/>
+                <a:ext cx="1374037" cy="3416320"/>
+              </a:xfrm>
+              <a:prstGeom prst="rect">
+                <a:avLst/>
+              </a:prstGeom>
+              <a:blipFill rotWithShape="1">
+                <a:blip r:embed="rId10"/>
+                <a:stretch>
+                  <a:fillRect l="-7111" t="-1429" r="-8889" b="-3214"/>
+                </a:stretch>
+              </a:blipFill>
+            </p:spPr>
+            <p:txBody>
+              <a:bodyPr/>
+              <a:lstStyle/>
+              <a:p>
+                <a:r>
+                  <a:rPr lang="en-US">
+                    <a:noFill/>
+                  </a:rPr>
+                  <a:t> </a:t>
+                </a:r>
+              </a:p>
+            </p:txBody>
+          </p:sp>
+        </mc:Fallback>
+      </mc:AlternateContent>
     </p:spTree>
     <p:extLst>
       <p:ext uri="{BB962C8B-B14F-4D97-AF65-F5344CB8AC3E}">
